--- a/assets/FiguresForFinalReport.pptx
+++ b/assets/FiguresForFinalReport.pptx
@@ -7,6 +7,7 @@
   <p:sldIdLst>
     <p:sldId id="256" r:id="rId3"/>
     <p:sldId id="257" r:id="rId4"/>
+    <p:sldId id="258" r:id="rId5"/>
   </p:sldIdLst>
   <p:sldSz cx="10080625" cy="5670550"/>
   <p:notesSz cx="7772400" cy="10058400"/>
@@ -2880,6 +2881,741 @@
           <p:childTnLst>
             <p:seq>
               <p:cTn id="4" dur="indefinite" nodeType="mainSeq"/>
+              <p:prevCondLst>
+                <p:cond delay="0" evt="onPrev">
+                  <p:tgtEl>
+                    <p:sldTgt/>
+                  </p:tgtEl>
+                </p:cond>
+              </p:prevCondLst>
+              <p:nextCondLst>
+                <p:cond delay="0" evt="onNext">
+                  <p:tgtEl>
+                    <p:sldTgt/>
+                  </p:tgtEl>
+                </p:cond>
+              </p:nextCondLst>
+            </p:seq>
+          </p:childTnLst>
+        </p:cTn>
+      </p:par>
+    </p:tnLst>
+  </p:timing>
+</p:sld>
+</file>
+
+<file path=ppt/slides/slide3.xml><?xml version="1.0" encoding="utf-8"?>
+<p:sld xmlns:a="http://schemas.openxmlformats.org/drawingml/2006/main" xmlns:p="http://schemas.openxmlformats.org/presentationml/2006/main" xmlns:r="http://schemas.openxmlformats.org/officeDocument/2006/relationships" xmlns:p14="http://schemas.microsoft.com/office/powerpoint/2010/main" xmlns:p15="http://schemas.microsoft.com/office/powerpoint/2012/main" xmlns:mc="http://schemas.openxmlformats.org/markup-compatibility/2006">
+  <p:cSld>
+    <p:spTree>
+      <p:nvGrpSpPr>
+        <p:cNvPr id="1" name=""/>
+        <p:cNvGrpSpPr/>
+        <p:nvPr/>
+      </p:nvGrpSpPr>
+      <p:grpSpPr>
+        <a:xfrm>
+          <a:off x="0" y="0"/>
+          <a:ext cx="0" cy="0"/>
+          <a:chOff x="0" y="0"/>
+          <a:chExt cx="0" cy="0"/>
+        </a:xfrm>
+      </p:grpSpPr>
+      <p:sp>
+        <p:nvSpPr>
+          <p:cNvPr id="74" name="TextShape 1"/>
+          <p:cNvSpPr txBox="1"/>
+          <p:nvPr/>
+        </p:nvSpPr>
+        <p:spPr>
+          <a:xfrm>
+            <a:off x="1097280" y="822960"/>
+            <a:ext cx="2011680" cy="346320"/>
+          </a:xfrm>
+          <a:prstGeom prst="rect">
+            <a:avLst/>
+          </a:prstGeom>
+          <a:noFill/>
+          <a:ln>
+            <a:noFill/>
+          </a:ln>
+        </p:spPr>
+      </p:sp>
+      <p:sp>
+        <p:nvSpPr>
+          <p:cNvPr id="75" name="CustomShape 2"/>
+          <p:cNvSpPr/>
+          <p:nvPr/>
+        </p:nvSpPr>
+        <p:spPr>
+          <a:xfrm>
+            <a:off x="1463040" y="1645920"/>
+            <a:ext cx="1280160" cy="640080"/>
+          </a:xfrm>
+          <a:prstGeom prst="rect">
+            <a:avLst/>
+          </a:prstGeom>
+          <a:noFill/>
+          <a:ln>
+            <a:solidFill>
+              <a:srgbClr val="000000"/>
+            </a:solidFill>
+          </a:ln>
+        </p:spPr>
+        <p:style>
+          <a:lnRef idx="0"/>
+          <a:fillRef idx="0"/>
+          <a:effectRef idx="0"/>
+          <a:fontRef idx="minor"/>
+        </p:style>
+      </p:sp>
+      <p:sp>
+        <p:nvSpPr>
+          <p:cNvPr id="76" name="TextShape 3"/>
+          <p:cNvSpPr txBox="1"/>
+          <p:nvPr/>
+        </p:nvSpPr>
+        <p:spPr>
+          <a:xfrm>
+            <a:off x="1645920" y="1737360"/>
+            <a:ext cx="914400" cy="431640"/>
+          </a:xfrm>
+          <a:prstGeom prst="rect">
+            <a:avLst/>
+          </a:prstGeom>
+          <a:noFill/>
+          <a:ln>
+            <a:noFill/>
+          </a:ln>
+        </p:spPr>
+        <p:txBody>
+          <a:bodyPr lIns="90000" rIns="90000" tIns="45000" bIns="45000"/>
+          <a:p>
+            <a:r>
+              <a:rPr b="0" lang="en-US" sz="1200" spc="-1" strike="noStrike">
+                <a:latin typeface="Arial"/>
+              </a:rPr>
+              <a:t>Source Code</a:t>
+            </a:r>
+            <a:endParaRPr b="0" lang="en-US" sz="1200" spc="-1" strike="noStrike">
+              <a:latin typeface="Arial"/>
+            </a:endParaRPr>
+          </a:p>
+        </p:txBody>
+      </p:sp>
+      <p:sp>
+        <p:nvSpPr>
+          <p:cNvPr id="77" name="CustomShape 4"/>
+          <p:cNvSpPr/>
+          <p:nvPr/>
+        </p:nvSpPr>
+        <p:spPr>
+          <a:xfrm>
+            <a:off x="1463040" y="1645920"/>
+            <a:ext cx="1280160" cy="640080"/>
+          </a:xfrm>
+          <a:prstGeom prst="rect">
+            <a:avLst/>
+          </a:prstGeom>
+          <a:noFill/>
+          <a:ln>
+            <a:solidFill>
+              <a:srgbClr val="000000"/>
+            </a:solidFill>
+          </a:ln>
+        </p:spPr>
+        <p:style>
+          <a:lnRef idx="0"/>
+          <a:fillRef idx="0"/>
+          <a:effectRef idx="0"/>
+          <a:fontRef idx="minor"/>
+        </p:style>
+      </p:sp>
+      <p:sp>
+        <p:nvSpPr>
+          <p:cNvPr id="78" name="TextShape 5"/>
+          <p:cNvSpPr txBox="1"/>
+          <p:nvPr/>
+        </p:nvSpPr>
+        <p:spPr>
+          <a:xfrm>
+            <a:off x="1645920" y="1737360"/>
+            <a:ext cx="914400" cy="431640"/>
+          </a:xfrm>
+          <a:prstGeom prst="rect">
+            <a:avLst/>
+          </a:prstGeom>
+          <a:noFill/>
+          <a:ln>
+            <a:noFill/>
+          </a:ln>
+        </p:spPr>
+        <p:txBody>
+          <a:bodyPr lIns="90000" rIns="90000" tIns="45000" bIns="45000"/>
+          <a:p>
+            <a:r>
+              <a:rPr b="0" lang="en-US" sz="1200" spc="-1" strike="noStrike">
+                <a:latin typeface="Arial"/>
+              </a:rPr>
+              <a:t>Source Code</a:t>
+            </a:r>
+            <a:endParaRPr b="0" lang="en-US" sz="1200" spc="-1" strike="noStrike">
+              <a:latin typeface="Arial"/>
+            </a:endParaRPr>
+          </a:p>
+        </p:txBody>
+      </p:sp>
+      <p:sp>
+        <p:nvSpPr>
+          <p:cNvPr id="79" name="CustomShape 6"/>
+          <p:cNvSpPr/>
+          <p:nvPr/>
+        </p:nvSpPr>
+        <p:spPr>
+          <a:xfrm>
+            <a:off x="3108960" y="1645920"/>
+            <a:ext cx="1280160" cy="640080"/>
+          </a:xfrm>
+          <a:prstGeom prst="rect">
+            <a:avLst/>
+          </a:prstGeom>
+          <a:noFill/>
+          <a:ln>
+            <a:solidFill>
+              <a:srgbClr val="000000"/>
+            </a:solidFill>
+          </a:ln>
+        </p:spPr>
+        <p:style>
+          <a:lnRef idx="0"/>
+          <a:fillRef idx="0"/>
+          <a:effectRef idx="0"/>
+          <a:fontRef idx="minor"/>
+        </p:style>
+      </p:sp>
+      <p:sp>
+        <p:nvSpPr>
+          <p:cNvPr id="80" name="CustomShape 7"/>
+          <p:cNvSpPr/>
+          <p:nvPr/>
+        </p:nvSpPr>
+        <p:spPr>
+          <a:xfrm>
+            <a:off x="3108960" y="1645920"/>
+            <a:ext cx="1280160" cy="640080"/>
+          </a:xfrm>
+          <a:prstGeom prst="rect">
+            <a:avLst/>
+          </a:prstGeom>
+          <a:noFill/>
+          <a:ln>
+            <a:solidFill>
+              <a:srgbClr val="000000"/>
+            </a:solidFill>
+          </a:ln>
+        </p:spPr>
+        <p:style>
+          <a:lnRef idx="0"/>
+          <a:fillRef idx="0"/>
+          <a:effectRef idx="0"/>
+          <a:fontRef idx="minor"/>
+        </p:style>
+      </p:sp>
+      <p:sp>
+        <p:nvSpPr>
+          <p:cNvPr id="81" name="CustomShape 8"/>
+          <p:cNvSpPr/>
+          <p:nvPr/>
+        </p:nvSpPr>
+        <p:spPr>
+          <a:xfrm>
+            <a:off x="4754880" y="1645920"/>
+            <a:ext cx="1280160" cy="640080"/>
+          </a:xfrm>
+          <a:prstGeom prst="rect">
+            <a:avLst/>
+          </a:prstGeom>
+          <a:noFill/>
+          <a:ln>
+            <a:solidFill>
+              <a:srgbClr val="000000"/>
+            </a:solidFill>
+          </a:ln>
+        </p:spPr>
+        <p:style>
+          <a:lnRef idx="0"/>
+          <a:fillRef idx="0"/>
+          <a:effectRef idx="0"/>
+          <a:fontRef idx="minor"/>
+        </p:style>
+      </p:sp>
+      <p:sp>
+        <p:nvSpPr>
+          <p:cNvPr id="82" name="TextShape 9"/>
+          <p:cNvSpPr txBox="1"/>
+          <p:nvPr/>
+        </p:nvSpPr>
+        <p:spPr>
+          <a:xfrm>
+            <a:off x="4937760" y="1683720"/>
+            <a:ext cx="914400" cy="602280"/>
+          </a:xfrm>
+          <a:prstGeom prst="rect">
+            <a:avLst/>
+          </a:prstGeom>
+          <a:noFill/>
+          <a:ln>
+            <a:noFill/>
+          </a:ln>
+        </p:spPr>
+        <p:txBody>
+          <a:bodyPr lIns="90000" rIns="90000" tIns="45000" bIns="45000"/>
+          <a:p>
+            <a:r>
+              <a:rPr b="0" lang="en-US" sz="1200" spc="-1" strike="noStrike">
+                <a:latin typeface="Arial"/>
+              </a:rPr>
+              <a:t>Directed Graph As JSON</a:t>
+            </a:r>
+            <a:endParaRPr b="0" lang="en-US" sz="1200" spc="-1" strike="noStrike">
+              <a:latin typeface="Arial"/>
+            </a:endParaRPr>
+          </a:p>
+        </p:txBody>
+      </p:sp>
+      <p:sp>
+        <p:nvSpPr>
+          <p:cNvPr id="83" name="CustomShape 10"/>
+          <p:cNvSpPr/>
+          <p:nvPr/>
+        </p:nvSpPr>
+        <p:spPr>
+          <a:xfrm>
+            <a:off x="4754880" y="1645920"/>
+            <a:ext cx="1280160" cy="640080"/>
+          </a:xfrm>
+          <a:prstGeom prst="rect">
+            <a:avLst/>
+          </a:prstGeom>
+          <a:noFill/>
+          <a:ln>
+            <a:solidFill>
+              <a:srgbClr val="000000"/>
+            </a:solidFill>
+          </a:ln>
+        </p:spPr>
+        <p:style>
+          <a:lnRef idx="0"/>
+          <a:fillRef idx="0"/>
+          <a:effectRef idx="0"/>
+          <a:fontRef idx="minor"/>
+        </p:style>
+      </p:sp>
+      <p:sp>
+        <p:nvSpPr>
+          <p:cNvPr id="84" name="CustomShape 11"/>
+          <p:cNvSpPr/>
+          <p:nvPr/>
+        </p:nvSpPr>
+        <p:spPr>
+          <a:xfrm>
+            <a:off x="6309360" y="1645920"/>
+            <a:ext cx="1280160" cy="640080"/>
+          </a:xfrm>
+          <a:prstGeom prst="rect">
+            <a:avLst/>
+          </a:prstGeom>
+          <a:noFill/>
+          <a:ln>
+            <a:solidFill>
+              <a:srgbClr val="000000"/>
+            </a:solidFill>
+          </a:ln>
+        </p:spPr>
+        <p:style>
+          <a:lnRef idx="0"/>
+          <a:fillRef idx="0"/>
+          <a:effectRef idx="0"/>
+          <a:fontRef idx="minor"/>
+        </p:style>
+      </p:sp>
+      <p:sp>
+        <p:nvSpPr>
+          <p:cNvPr id="85" name="TextShape 12"/>
+          <p:cNvSpPr txBox="1"/>
+          <p:nvPr/>
+        </p:nvSpPr>
+        <p:spPr>
+          <a:xfrm>
+            <a:off x="6492240" y="1737360"/>
+            <a:ext cx="914400" cy="431640"/>
+          </a:xfrm>
+          <a:prstGeom prst="rect">
+            <a:avLst/>
+          </a:prstGeom>
+          <a:noFill/>
+          <a:ln>
+            <a:noFill/>
+          </a:ln>
+        </p:spPr>
+        <p:txBody>
+          <a:bodyPr lIns="90000" rIns="90000" tIns="45000" bIns="45000"/>
+          <a:p>
+            <a:r>
+              <a:rPr b="0" lang="en-US" sz="1200" spc="-1" strike="noStrike">
+                <a:latin typeface="Arial"/>
+              </a:rPr>
+              <a:t>Splitting Data</a:t>
+            </a:r>
+            <a:endParaRPr b="0" lang="en-US" sz="1200" spc="-1" strike="noStrike">
+              <a:latin typeface="Arial"/>
+            </a:endParaRPr>
+          </a:p>
+        </p:txBody>
+      </p:sp>
+      <p:sp>
+        <p:nvSpPr>
+          <p:cNvPr id="86" name="CustomShape 13"/>
+          <p:cNvSpPr/>
+          <p:nvPr/>
+        </p:nvSpPr>
+        <p:spPr>
+          <a:xfrm>
+            <a:off x="6309360" y="1645920"/>
+            <a:ext cx="1280160" cy="640080"/>
+          </a:xfrm>
+          <a:prstGeom prst="rect">
+            <a:avLst/>
+          </a:prstGeom>
+          <a:noFill/>
+          <a:ln>
+            <a:solidFill>
+              <a:srgbClr val="000000"/>
+            </a:solidFill>
+          </a:ln>
+        </p:spPr>
+        <p:style>
+          <a:lnRef idx="0"/>
+          <a:fillRef idx="0"/>
+          <a:effectRef idx="0"/>
+          <a:fontRef idx="minor"/>
+        </p:style>
+      </p:sp>
+      <p:sp>
+        <p:nvSpPr>
+          <p:cNvPr id="87" name="TextShape 14"/>
+          <p:cNvSpPr txBox="1"/>
+          <p:nvPr/>
+        </p:nvSpPr>
+        <p:spPr>
+          <a:xfrm>
+            <a:off x="3383280" y="1828800"/>
+            <a:ext cx="914400" cy="261000"/>
+          </a:xfrm>
+          <a:prstGeom prst="rect">
+            <a:avLst/>
+          </a:prstGeom>
+          <a:noFill/>
+          <a:ln>
+            <a:noFill/>
+          </a:ln>
+        </p:spPr>
+        <p:txBody>
+          <a:bodyPr lIns="90000" rIns="90000" tIns="45000" bIns="45000"/>
+          <a:p>
+            <a:r>
+              <a:rPr b="0" lang="en-US" sz="1200" spc="-1" strike="noStrike">
+                <a:latin typeface="Arial"/>
+              </a:rPr>
+              <a:t>AST</a:t>
+            </a:r>
+            <a:endParaRPr b="0" lang="en-US" sz="1200" spc="-1" strike="noStrike">
+              <a:latin typeface="Arial"/>
+            </a:endParaRPr>
+          </a:p>
+        </p:txBody>
+      </p:sp>
+      <p:sp>
+        <p:nvSpPr>
+          <p:cNvPr id="88" name="TextShape 15"/>
+          <p:cNvSpPr txBox="1"/>
+          <p:nvPr/>
+        </p:nvSpPr>
+        <p:spPr>
+          <a:xfrm>
+            <a:off x="4937760" y="860760"/>
+            <a:ext cx="1097280" cy="772920"/>
+          </a:xfrm>
+          <a:prstGeom prst="rect">
+            <a:avLst/>
+          </a:prstGeom>
+          <a:noFill/>
+          <a:ln>
+            <a:noFill/>
+          </a:ln>
+        </p:spPr>
+        <p:txBody>
+          <a:bodyPr lIns="90000" rIns="90000" tIns="45000" bIns="45000"/>
+          <a:p>
+            <a:r>
+              <a:rPr b="0" lang="en-US" sz="1200" spc="-1" strike="noStrike">
+                <a:latin typeface="Arial"/>
+              </a:rPr>
+              <a:t>Type Hierarchy Information</a:t>
+            </a:r>
+            <a:endParaRPr b="0" lang="en-US" sz="1200" spc="-1" strike="noStrike">
+              <a:latin typeface="Arial"/>
+            </a:endParaRPr>
+          </a:p>
+        </p:txBody>
+      </p:sp>
+      <p:sp>
+        <p:nvSpPr>
+          <p:cNvPr id="89" name="CustomShape 16"/>
+          <p:cNvSpPr/>
+          <p:nvPr/>
+        </p:nvSpPr>
+        <p:spPr>
+          <a:xfrm>
+            <a:off x="4754880" y="822960"/>
+            <a:ext cx="1280160" cy="640080"/>
+          </a:xfrm>
+          <a:prstGeom prst="rect">
+            <a:avLst/>
+          </a:prstGeom>
+          <a:noFill/>
+          <a:ln>
+            <a:solidFill>
+              <a:srgbClr val="000000"/>
+            </a:solidFill>
+          </a:ln>
+        </p:spPr>
+        <p:style>
+          <a:lnRef idx="0"/>
+          <a:fillRef idx="0"/>
+          <a:effectRef idx="0"/>
+          <a:fontRef idx="minor"/>
+        </p:style>
+      </p:sp>
+      <p:sp>
+        <p:nvSpPr>
+          <p:cNvPr id="90" name="Line 17"/>
+          <p:cNvSpPr/>
+          <p:nvPr/>
+        </p:nvSpPr>
+        <p:spPr>
+          <a:xfrm>
+            <a:off x="2743200" y="2011680"/>
+            <a:ext cx="365760" cy="0"/>
+          </a:xfrm>
+          <a:prstGeom prst="line">
+            <a:avLst/>
+          </a:prstGeom>
+          <a:ln>
+            <a:solidFill>
+              <a:srgbClr val="000000"/>
+            </a:solidFill>
+            <a:tailEnd len="med" type="triangle" w="med"/>
+          </a:ln>
+        </p:spPr>
+        <p:style>
+          <a:lnRef idx="0"/>
+          <a:fillRef idx="0"/>
+          <a:effectRef idx="0"/>
+          <a:fontRef idx="minor"/>
+        </p:style>
+      </p:sp>
+      <p:sp>
+        <p:nvSpPr>
+          <p:cNvPr id="91" name="Line 18"/>
+          <p:cNvSpPr/>
+          <p:nvPr/>
+        </p:nvSpPr>
+        <p:spPr>
+          <a:xfrm>
+            <a:off x="4389120" y="2011680"/>
+            <a:ext cx="365760" cy="0"/>
+          </a:xfrm>
+          <a:prstGeom prst="line">
+            <a:avLst/>
+          </a:prstGeom>
+          <a:ln>
+            <a:solidFill>
+              <a:srgbClr val="000000"/>
+            </a:solidFill>
+            <a:tailEnd len="med" type="triangle" w="med"/>
+          </a:ln>
+        </p:spPr>
+        <p:style>
+          <a:lnRef idx="0"/>
+          <a:fillRef idx="0"/>
+          <a:effectRef idx="0"/>
+          <a:fontRef idx="minor"/>
+        </p:style>
+      </p:sp>
+      <p:sp>
+        <p:nvSpPr>
+          <p:cNvPr id="92" name="Line 19"/>
+          <p:cNvSpPr/>
+          <p:nvPr/>
+        </p:nvSpPr>
+        <p:spPr>
+          <a:xfrm flipV="1">
+            <a:off x="4389120" y="1463040"/>
+            <a:ext cx="365760" cy="548640"/>
+          </a:xfrm>
+          <a:prstGeom prst="line">
+            <a:avLst/>
+          </a:prstGeom>
+          <a:ln>
+            <a:solidFill>
+              <a:srgbClr val="000000"/>
+            </a:solidFill>
+            <a:tailEnd len="med" type="triangle" w="med"/>
+          </a:ln>
+        </p:spPr>
+        <p:style>
+          <a:lnRef idx="0"/>
+          <a:fillRef idx="0"/>
+          <a:effectRef idx="0"/>
+          <a:fontRef idx="minor"/>
+        </p:style>
+      </p:sp>
+      <p:sp>
+        <p:nvSpPr>
+          <p:cNvPr id="93" name="CustomShape 20"/>
+          <p:cNvSpPr/>
+          <p:nvPr/>
+        </p:nvSpPr>
+        <p:spPr>
+          <a:xfrm>
+            <a:off x="7863840" y="1645920"/>
+            <a:ext cx="1280160" cy="640080"/>
+          </a:xfrm>
+          <a:prstGeom prst="rect">
+            <a:avLst/>
+          </a:prstGeom>
+          <a:noFill/>
+          <a:ln>
+            <a:solidFill>
+              <a:srgbClr val="000000"/>
+            </a:solidFill>
+          </a:ln>
+        </p:spPr>
+        <p:style>
+          <a:lnRef idx="0"/>
+          <a:fillRef idx="0"/>
+          <a:effectRef idx="0"/>
+          <a:fontRef idx="minor"/>
+        </p:style>
+      </p:sp>
+      <p:sp>
+        <p:nvSpPr>
+          <p:cNvPr id="94" name="TextShape 21"/>
+          <p:cNvSpPr txBox="1"/>
+          <p:nvPr/>
+        </p:nvSpPr>
+        <p:spPr>
+          <a:xfrm>
+            <a:off x="8046720" y="1737360"/>
+            <a:ext cx="914400" cy="431640"/>
+          </a:xfrm>
+          <a:prstGeom prst="rect">
+            <a:avLst/>
+          </a:prstGeom>
+          <a:noFill/>
+          <a:ln>
+            <a:noFill/>
+          </a:ln>
+        </p:spPr>
+        <p:txBody>
+          <a:bodyPr lIns="90000" rIns="90000" tIns="45000" bIns="45000"/>
+          <a:p>
+            <a:r>
+              <a:rPr b="0" lang="en-US" sz="1200" spc="-1" strike="noStrike">
+                <a:latin typeface="Arial"/>
+              </a:rPr>
+              <a:t>Zipped Result</a:t>
+            </a:r>
+            <a:endParaRPr b="0" lang="en-US" sz="1200" spc="-1" strike="noStrike">
+              <a:latin typeface="Arial"/>
+            </a:endParaRPr>
+          </a:p>
+        </p:txBody>
+      </p:sp>
+      <p:sp>
+        <p:nvSpPr>
+          <p:cNvPr id="95" name="Line 22"/>
+          <p:cNvSpPr/>
+          <p:nvPr/>
+        </p:nvSpPr>
+        <p:spPr>
+          <a:xfrm>
+            <a:off x="6035040" y="1920240"/>
+            <a:ext cx="274320" cy="0"/>
+          </a:xfrm>
+          <a:prstGeom prst="line">
+            <a:avLst/>
+          </a:prstGeom>
+          <a:ln>
+            <a:solidFill>
+              <a:srgbClr val="000000"/>
+            </a:solidFill>
+            <a:tailEnd len="med" type="triangle" w="med"/>
+          </a:ln>
+        </p:spPr>
+        <p:style>
+          <a:lnRef idx="0"/>
+          <a:fillRef idx="0"/>
+          <a:effectRef idx="0"/>
+          <a:fontRef idx="minor"/>
+        </p:style>
+      </p:sp>
+      <p:sp>
+        <p:nvSpPr>
+          <p:cNvPr id="96" name="Line 23"/>
+          <p:cNvSpPr/>
+          <p:nvPr/>
+        </p:nvSpPr>
+        <p:spPr>
+          <a:xfrm>
+            <a:off x="7589520" y="1920240"/>
+            <a:ext cx="274320" cy="0"/>
+          </a:xfrm>
+          <a:prstGeom prst="line">
+            <a:avLst/>
+          </a:prstGeom>
+          <a:ln>
+            <a:solidFill>
+              <a:srgbClr val="000000"/>
+            </a:solidFill>
+            <a:tailEnd len="med" type="triangle" w="med"/>
+          </a:ln>
+        </p:spPr>
+        <p:style>
+          <a:lnRef idx="0"/>
+          <a:fillRef idx="0"/>
+          <a:effectRef idx="0"/>
+          <a:fontRef idx="minor"/>
+        </p:style>
+      </p:sp>
+    </p:spTree>
+  </p:cSld>
+  <mc:AlternateContent>
+    <mc:Choice Requires="p14">
+      <p:transition spd="slow" p14:dur="2000"/>
+    </mc:Choice>
+    <mc:Fallback>
+      <p:transition spd="slow"/>
+    </mc:Fallback>
+  </mc:AlternateContent>
+  <p:timing>
+    <p:tnLst>
+      <p:par>
+        <p:cTn id="5" dur="indefinite" restart="never" nodeType="tmRoot">
+          <p:childTnLst>
+            <p:seq>
+              <p:cTn id="6" dur="indefinite" nodeType="mainSeq"/>
               <p:prevCondLst>
                 <p:cond delay="0" evt="onPrev">
                   <p:tgtEl>

--- a/assets/FiguresForFinalReport.pptx
+++ b/assets/FiguresForFinalReport.pptx
@@ -8,6 +8,7 @@
     <p:sldId id="256" r:id="rId3"/>
     <p:sldId id="257" r:id="rId4"/>
     <p:sldId id="258" r:id="rId5"/>
+    <p:sldId id="259" r:id="rId6"/>
   </p:sldIdLst>
   <p:sldSz cx="10080625" cy="5670550"/>
   <p:notesSz cx="7772400" cy="10058400"/>
@@ -66,7 +67,7 @@
         <p:spPr>
           <a:xfrm>
             <a:off x="504000" y="226080"/>
-            <a:ext cx="9071280" cy="946080"/>
+            <a:ext cx="9070920" cy="945720"/>
           </a:xfrm>
           <a:prstGeom prst="rect">
             <a:avLst/>
@@ -95,7 +96,7 @@
         <p:spPr>
           <a:xfrm>
             <a:off x="504000" y="1326600"/>
-            <a:ext cx="9072000" cy="1568520"/>
+            <a:ext cx="9071640" cy="1568160"/>
           </a:xfrm>
           <a:prstGeom prst="rect">
             <a:avLst/>
@@ -124,8 +125,8 @@
         </p:nvSpPr>
         <p:spPr>
           <a:xfrm>
-            <a:off x="504000" y="3044520"/>
-            <a:ext cx="9072000" cy="1568520"/>
+            <a:off x="504000" y="3044160"/>
+            <a:ext cx="9071640" cy="1568160"/>
           </a:xfrm>
           <a:prstGeom prst="rect">
             <a:avLst/>
@@ -177,7 +178,7 @@
         <p:spPr>
           <a:xfrm>
             <a:off x="504000" y="226080"/>
-            <a:ext cx="9071280" cy="946080"/>
+            <a:ext cx="9070920" cy="945720"/>
           </a:xfrm>
           <a:prstGeom prst="rect">
             <a:avLst/>
@@ -206,7 +207,7 @@
         <p:spPr>
           <a:xfrm>
             <a:off x="504000" y="1326600"/>
-            <a:ext cx="4426920" cy="1568520"/>
+            <a:ext cx="4426920" cy="1568160"/>
           </a:xfrm>
           <a:prstGeom prst="rect">
             <a:avLst/>
@@ -236,7 +237,7 @@
         <p:spPr>
           <a:xfrm>
             <a:off x="5152680" y="1326600"/>
-            <a:ext cx="4426920" cy="1568520"/>
+            <a:ext cx="4426920" cy="1568160"/>
           </a:xfrm>
           <a:prstGeom prst="rect">
             <a:avLst/>
@@ -265,8 +266,8 @@
         </p:nvSpPr>
         <p:spPr>
           <a:xfrm>
-            <a:off x="504000" y="3044520"/>
-            <a:ext cx="4426920" cy="1568520"/>
+            <a:off x="504000" y="3044160"/>
+            <a:ext cx="4426920" cy="1568160"/>
           </a:xfrm>
           <a:prstGeom prst="rect">
             <a:avLst/>
@@ -295,8 +296,8 @@
         </p:nvSpPr>
         <p:spPr>
           <a:xfrm>
-            <a:off x="5152680" y="3044520"/>
-            <a:ext cx="4426920" cy="1568520"/>
+            <a:off x="5152680" y="3044160"/>
+            <a:ext cx="4426920" cy="1568160"/>
           </a:xfrm>
           <a:prstGeom prst="rect">
             <a:avLst/>
@@ -348,7 +349,7 @@
         <p:spPr>
           <a:xfrm>
             <a:off x="504000" y="226080"/>
-            <a:ext cx="9071280" cy="946080"/>
+            <a:ext cx="9070920" cy="945720"/>
           </a:xfrm>
           <a:prstGeom prst="rect">
             <a:avLst/>
@@ -377,7 +378,7 @@
         <p:spPr>
           <a:xfrm>
             <a:off x="504000" y="1326600"/>
-            <a:ext cx="2921040" cy="1568520"/>
+            <a:ext cx="2920680" cy="1568160"/>
           </a:xfrm>
           <a:prstGeom prst="rect">
             <a:avLst/>
@@ -406,8 +407,8 @@
         </p:nvSpPr>
         <p:spPr>
           <a:xfrm>
-            <a:off x="3571560" y="1326600"/>
-            <a:ext cx="2921040" cy="1568520"/>
+            <a:off x="3571200" y="1326600"/>
+            <a:ext cx="2920680" cy="1568160"/>
           </a:xfrm>
           <a:prstGeom prst="rect">
             <a:avLst/>
@@ -436,8 +437,8 @@
         </p:nvSpPr>
         <p:spPr>
           <a:xfrm>
-            <a:off x="6639120" y="1326600"/>
-            <a:ext cx="2921040" cy="1568520"/>
+            <a:off x="6638040" y="1326600"/>
+            <a:ext cx="2920680" cy="1568160"/>
           </a:xfrm>
           <a:prstGeom prst="rect">
             <a:avLst/>
@@ -466,8 +467,8 @@
         </p:nvSpPr>
         <p:spPr>
           <a:xfrm>
-            <a:off x="504000" y="3044520"/>
-            <a:ext cx="2921040" cy="1568520"/>
+            <a:off x="504000" y="3044160"/>
+            <a:ext cx="2920680" cy="1568160"/>
           </a:xfrm>
           <a:prstGeom prst="rect">
             <a:avLst/>
@@ -496,8 +497,8 @@
         </p:nvSpPr>
         <p:spPr>
           <a:xfrm>
-            <a:off x="3571560" y="3044520"/>
-            <a:ext cx="2921040" cy="1568520"/>
+            <a:off x="3571200" y="3044160"/>
+            <a:ext cx="2920680" cy="1568160"/>
           </a:xfrm>
           <a:prstGeom prst="rect">
             <a:avLst/>
@@ -526,8 +527,8 @@
         </p:nvSpPr>
         <p:spPr>
           <a:xfrm>
-            <a:off x="6639120" y="3044520"/>
-            <a:ext cx="2921040" cy="1568520"/>
+            <a:off x="6638040" y="3044160"/>
+            <a:ext cx="2920680" cy="1568160"/>
           </a:xfrm>
           <a:prstGeom prst="rect">
             <a:avLst/>
@@ -579,7 +580,7 @@
         <p:spPr>
           <a:xfrm>
             <a:off x="504000" y="226080"/>
-            <a:ext cx="9071280" cy="946080"/>
+            <a:ext cx="9070920" cy="945720"/>
           </a:xfrm>
           <a:prstGeom prst="rect">
             <a:avLst/>
@@ -608,7 +609,7 @@
         <p:spPr>
           <a:xfrm>
             <a:off x="504000" y="1326600"/>
-            <a:ext cx="9072000" cy="3288600"/>
+            <a:ext cx="9071640" cy="3288240"/>
           </a:xfrm>
           <a:prstGeom prst="rect">
             <a:avLst/>
@@ -659,7 +660,7 @@
         <p:spPr>
           <a:xfrm>
             <a:off x="504000" y="226080"/>
-            <a:ext cx="9071280" cy="946080"/>
+            <a:ext cx="9070920" cy="945720"/>
           </a:xfrm>
           <a:prstGeom prst="rect">
             <a:avLst/>
@@ -688,7 +689,7 @@
         <p:spPr>
           <a:xfrm>
             <a:off x="504000" y="1326600"/>
-            <a:ext cx="9072000" cy="3288600"/>
+            <a:ext cx="9071640" cy="3288240"/>
           </a:xfrm>
           <a:prstGeom prst="rect">
             <a:avLst/>
@@ -740,7 +741,7 @@
         <p:spPr>
           <a:xfrm>
             <a:off x="504000" y="226080"/>
-            <a:ext cx="9071280" cy="946080"/>
+            <a:ext cx="9070920" cy="945720"/>
           </a:xfrm>
           <a:prstGeom prst="rect">
             <a:avLst/>
@@ -769,7 +770,7 @@
         <p:spPr>
           <a:xfrm>
             <a:off x="504000" y="1326600"/>
-            <a:ext cx="4426920" cy="3288600"/>
+            <a:ext cx="4426920" cy="3288240"/>
           </a:xfrm>
           <a:prstGeom prst="rect">
             <a:avLst/>
@@ -799,7 +800,7 @@
         <p:spPr>
           <a:xfrm>
             <a:off x="5152680" y="1326600"/>
-            <a:ext cx="4426920" cy="3288600"/>
+            <a:ext cx="4426920" cy="3288240"/>
           </a:xfrm>
           <a:prstGeom prst="rect">
             <a:avLst/>
@@ -851,7 +852,7 @@
         <p:spPr>
           <a:xfrm>
             <a:off x="504000" y="226080"/>
-            <a:ext cx="9071280" cy="946080"/>
+            <a:ext cx="9070920" cy="945720"/>
           </a:xfrm>
           <a:prstGeom prst="rect">
             <a:avLst/>
@@ -902,7 +903,7 @@
         <p:spPr>
           <a:xfrm>
             <a:off x="504000" y="226080"/>
-            <a:ext cx="9071280" cy="4386600"/>
+            <a:ext cx="9070920" cy="4385160"/>
           </a:xfrm>
           <a:prstGeom prst="rect">
             <a:avLst/>
@@ -953,7 +954,7 @@
         <p:spPr>
           <a:xfrm>
             <a:off x="504000" y="226080"/>
-            <a:ext cx="9071280" cy="946080"/>
+            <a:ext cx="9070920" cy="945720"/>
           </a:xfrm>
           <a:prstGeom prst="rect">
             <a:avLst/>
@@ -982,7 +983,7 @@
         <p:spPr>
           <a:xfrm>
             <a:off x="504000" y="1326600"/>
-            <a:ext cx="4426920" cy="1568520"/>
+            <a:ext cx="4426920" cy="1568160"/>
           </a:xfrm>
           <a:prstGeom prst="rect">
             <a:avLst/>
@@ -1012,7 +1013,7 @@
         <p:spPr>
           <a:xfrm>
             <a:off x="5152680" y="1326600"/>
-            <a:ext cx="4426920" cy="3288600"/>
+            <a:ext cx="4426920" cy="3288240"/>
           </a:xfrm>
           <a:prstGeom prst="rect">
             <a:avLst/>
@@ -1041,8 +1042,8 @@
         </p:nvSpPr>
         <p:spPr>
           <a:xfrm>
-            <a:off x="504000" y="3044520"/>
-            <a:ext cx="4426920" cy="1568520"/>
+            <a:off x="504000" y="3044160"/>
+            <a:ext cx="4426920" cy="1568160"/>
           </a:xfrm>
           <a:prstGeom prst="rect">
             <a:avLst/>
@@ -1094,7 +1095,7 @@
         <p:spPr>
           <a:xfrm>
             <a:off x="504000" y="226080"/>
-            <a:ext cx="9071280" cy="946080"/>
+            <a:ext cx="9070920" cy="945720"/>
           </a:xfrm>
           <a:prstGeom prst="rect">
             <a:avLst/>
@@ -1123,7 +1124,7 @@
         <p:spPr>
           <a:xfrm>
             <a:off x="504000" y="1326600"/>
-            <a:ext cx="4426920" cy="3288600"/>
+            <a:ext cx="4426920" cy="3288240"/>
           </a:xfrm>
           <a:prstGeom prst="rect">
             <a:avLst/>
@@ -1153,7 +1154,7 @@
         <p:spPr>
           <a:xfrm>
             <a:off x="5152680" y="1326600"/>
-            <a:ext cx="4426920" cy="1568520"/>
+            <a:ext cx="4426920" cy="1568160"/>
           </a:xfrm>
           <a:prstGeom prst="rect">
             <a:avLst/>
@@ -1182,8 +1183,8 @@
         </p:nvSpPr>
         <p:spPr>
           <a:xfrm>
-            <a:off x="5152680" y="3044520"/>
-            <a:ext cx="4426920" cy="1568520"/>
+            <a:off x="5152680" y="3044160"/>
+            <a:ext cx="4426920" cy="1568160"/>
           </a:xfrm>
           <a:prstGeom prst="rect">
             <a:avLst/>
@@ -1235,7 +1236,7 @@
         <p:spPr>
           <a:xfrm>
             <a:off x="504000" y="226080"/>
-            <a:ext cx="9071280" cy="946080"/>
+            <a:ext cx="9070920" cy="945720"/>
           </a:xfrm>
           <a:prstGeom prst="rect">
             <a:avLst/>
@@ -1264,7 +1265,7 @@
         <p:spPr>
           <a:xfrm>
             <a:off x="504000" y="1326600"/>
-            <a:ext cx="4426920" cy="1568520"/>
+            <a:ext cx="4426920" cy="1568160"/>
           </a:xfrm>
           <a:prstGeom prst="rect">
             <a:avLst/>
@@ -1294,7 +1295,7 @@
         <p:spPr>
           <a:xfrm>
             <a:off x="5152680" y="1326600"/>
-            <a:ext cx="4426920" cy="1568520"/>
+            <a:ext cx="4426920" cy="1568160"/>
           </a:xfrm>
           <a:prstGeom prst="rect">
             <a:avLst/>
@@ -1323,8 +1324,8 @@
         </p:nvSpPr>
         <p:spPr>
           <a:xfrm>
-            <a:off x="504000" y="3044520"/>
-            <a:ext cx="9072000" cy="1568520"/>
+            <a:off x="504000" y="3044160"/>
+            <a:ext cx="9071640" cy="1568160"/>
           </a:xfrm>
           <a:prstGeom prst="rect">
             <a:avLst/>
@@ -1376,7 +1377,7 @@
         <p:spPr>
           <a:xfrm>
             <a:off x="504000" y="226080"/>
-            <a:ext cx="9071280" cy="946080"/>
+            <a:ext cx="9070920" cy="945720"/>
           </a:xfrm>
           <a:prstGeom prst="rect">
             <a:avLst/>
@@ -1410,7 +1411,7 @@
         <p:spPr>
           <a:xfrm>
             <a:off x="504000" y="1326600"/>
-            <a:ext cx="9072000" cy="3288600"/>
+            <a:ext cx="9071640" cy="3288240"/>
           </a:xfrm>
           <a:prstGeom prst="rect">
             <a:avLst/>
@@ -1433,12 +1434,12 @@
               <a:buChar char=""/>
             </a:pPr>
             <a:r>
-              <a:rPr b="0" lang="en-US" sz="3200" spc="-1" strike="noStrike">
+              <a:rPr b="0" lang="en-US" sz="1800" spc="-1" strike="noStrike">
                 <a:latin typeface="Arial"/>
               </a:rPr>
               <a:t>Click to edit the outline text format</a:t>
             </a:r>
-            <a:endParaRPr b="0" lang="en-US" sz="3200" spc="-1" strike="noStrike">
+            <a:endParaRPr b="0" lang="en-US" sz="1800" spc="-1" strike="noStrike">
               <a:latin typeface="Arial"/>
             </a:endParaRPr>
           </a:p>
@@ -1455,12 +1456,12 @@
               <a:buChar char=""/>
             </a:pPr>
             <a:r>
-              <a:rPr b="0" lang="en-US" sz="2800" spc="-1" strike="noStrike">
+              <a:rPr b="0" lang="en-US" sz="1800" spc="-1" strike="noStrike">
                 <a:latin typeface="Arial"/>
               </a:rPr>
               <a:t>Second Outline Level</a:t>
             </a:r>
-            <a:endParaRPr b="0" lang="en-US" sz="2800" spc="-1" strike="noStrike">
+            <a:endParaRPr b="0" lang="en-US" sz="1800" spc="-1" strike="noStrike">
               <a:latin typeface="Arial"/>
             </a:endParaRPr>
           </a:p>
@@ -1477,12 +1478,12 @@
               <a:buChar char=""/>
             </a:pPr>
             <a:r>
-              <a:rPr b="0" lang="en-US" sz="2400" spc="-1" strike="noStrike">
+              <a:rPr b="0" lang="en-US" sz="1800" spc="-1" strike="noStrike">
                 <a:latin typeface="Arial"/>
               </a:rPr>
               <a:t>Third Outline Level</a:t>
             </a:r>
-            <a:endParaRPr b="0" lang="en-US" sz="2400" spc="-1" strike="noStrike">
+            <a:endParaRPr b="0" lang="en-US" sz="1800" spc="-1" strike="noStrike">
               <a:latin typeface="Arial"/>
             </a:endParaRPr>
           </a:p>
@@ -1499,12 +1500,12 @@
               <a:buChar char=""/>
             </a:pPr>
             <a:r>
-              <a:rPr b="0" lang="en-US" sz="2000" spc="-1" strike="noStrike">
+              <a:rPr b="0" lang="en-US" sz="1800" spc="-1" strike="noStrike">
                 <a:latin typeface="Arial"/>
               </a:rPr>
               <a:t>Fourth Outline Level</a:t>
             </a:r>
-            <a:endParaRPr b="0" lang="en-US" sz="2000" spc="-1" strike="noStrike">
+            <a:endParaRPr b="0" lang="en-US" sz="1800" spc="-1" strike="noStrike">
               <a:latin typeface="Arial"/>
             </a:endParaRPr>
           </a:p>
@@ -1521,12 +1522,12 @@
               <a:buChar char=""/>
             </a:pPr>
             <a:r>
-              <a:rPr b="0" lang="en-US" sz="2000" spc="-1" strike="noStrike">
+              <a:rPr b="0" lang="en-US" sz="1800" spc="-1" strike="noStrike">
                 <a:latin typeface="Arial"/>
               </a:rPr>
               <a:t>Fifth Outline Level</a:t>
             </a:r>
-            <a:endParaRPr b="0" lang="en-US" sz="2000" spc="-1" strike="noStrike">
+            <a:endParaRPr b="0" lang="en-US" sz="1800" spc="-1" strike="noStrike">
               <a:latin typeface="Arial"/>
             </a:endParaRPr>
           </a:p>
@@ -1543,12 +1544,12 @@
               <a:buChar char=""/>
             </a:pPr>
             <a:r>
-              <a:rPr b="0" lang="en-US" sz="2000" spc="-1" strike="noStrike">
+              <a:rPr b="0" lang="en-US" sz="1800" spc="-1" strike="noStrike">
                 <a:latin typeface="Arial"/>
               </a:rPr>
               <a:t>Sixth Outline Level</a:t>
             </a:r>
-            <a:endParaRPr b="0" lang="en-US" sz="2000" spc="-1" strike="noStrike">
+            <a:endParaRPr b="0" lang="en-US" sz="1800" spc="-1" strike="noStrike">
               <a:latin typeface="Arial"/>
             </a:endParaRPr>
           </a:p>
@@ -1565,12 +1566,12 @@
               <a:buChar char=""/>
             </a:pPr>
             <a:r>
-              <a:rPr b="0" lang="en-US" sz="2000" spc="-1" strike="noStrike">
+              <a:rPr b="0" lang="en-US" sz="1800" spc="-1" strike="noStrike">
                 <a:latin typeface="Arial"/>
               </a:rPr>
               <a:t>Seventh Outline Level</a:t>
             </a:r>
-            <a:endParaRPr b="0" lang="en-US" sz="2000" spc="-1" strike="noStrike">
+            <a:endParaRPr b="0" lang="en-US" sz="1800" spc="-1" strike="noStrike">
               <a:latin typeface="Arial"/>
             </a:endParaRPr>
           </a:p>
@@ -1677,7 +1678,7 @@
         <p:spPr>
           <a:xfrm>
             <a:off x="1188720" y="1463040"/>
-            <a:ext cx="1279800" cy="456840"/>
+            <a:ext cx="1279440" cy="456480"/>
           </a:xfrm>
           <a:prstGeom prst="rect">
             <a:avLst/>
@@ -1705,7 +1706,7 @@
         <p:spPr>
           <a:xfrm>
             <a:off x="1280160" y="1463040"/>
-            <a:ext cx="1737000" cy="456840"/>
+            <a:ext cx="1736640" cy="456480"/>
           </a:xfrm>
           <a:prstGeom prst="rect">
             <a:avLst/>
@@ -1731,7 +1732,11 @@
             </a:pPr>
             <a:r>
               <a:rPr b="0" lang="en-US" sz="1200" spc="-1" strike="noStrike">
+                <a:solidFill>
+                  <a:srgbClr val="000000"/>
+                </a:solidFill>
                 <a:latin typeface="Arial"/>
+                <a:ea typeface="DejaVu Sans"/>
               </a:rPr>
               <a:t>Graph Neural Networks</a:t>
             </a:r>
@@ -1750,7 +1755,7 @@
         <p:spPr>
           <a:xfrm>
             <a:off x="1463040" y="2560320"/>
-            <a:ext cx="914040" cy="345960"/>
+            <a:ext cx="913680" cy="345600"/>
           </a:xfrm>
           <a:prstGeom prst="rect">
             <a:avLst/>
@@ -1776,7 +1781,11 @@
             </a:pPr>
             <a:r>
               <a:rPr b="0" lang="en-US" sz="1800" spc="-1" strike="noStrike">
+                <a:solidFill>
+                  <a:srgbClr val="000000"/>
+                </a:solidFill>
                 <a:latin typeface="Arial"/>
+                <a:ea typeface="DejaVu Sans"/>
               </a:rPr>
               <a:t>2005</a:t>
             </a:r>
@@ -1795,7 +1804,7 @@
         <p:spPr>
           <a:xfrm>
             <a:off x="4023360" y="2579760"/>
-            <a:ext cx="914040" cy="345960"/>
+            <a:ext cx="913680" cy="345600"/>
           </a:xfrm>
           <a:prstGeom prst="rect">
             <a:avLst/>
@@ -1821,7 +1830,11 @@
             </a:pPr>
             <a:r>
               <a:rPr b="0" lang="en-US" sz="1800" spc="-1" strike="noStrike">
+                <a:solidFill>
+                  <a:srgbClr val="000000"/>
+                </a:solidFill>
                 <a:latin typeface="Arial"/>
+                <a:ea typeface="DejaVu Sans"/>
               </a:rPr>
               <a:t>2016</a:t>
             </a:r>
@@ -1867,7 +1880,7 @@
         <p:spPr>
           <a:xfrm>
             <a:off x="3749040" y="1463040"/>
-            <a:ext cx="1737000" cy="456840"/>
+            <a:ext cx="1736640" cy="456480"/>
           </a:xfrm>
           <a:prstGeom prst="rect">
             <a:avLst/>
@@ -1893,7 +1906,11 @@
             </a:pPr>
             <a:r>
               <a:rPr b="0" lang="en-US" sz="1200" spc="-1" strike="noStrike">
+                <a:solidFill>
+                  <a:srgbClr val="000000"/>
+                </a:solidFill>
                 <a:latin typeface="Arial"/>
+                <a:ea typeface="DejaVu Sans"/>
               </a:rPr>
               <a:t>Gated Graph Neural Networks</a:t>
             </a:r>
@@ -1912,7 +1929,7 @@
         <p:spPr>
           <a:xfrm>
             <a:off x="1188720" y="1463040"/>
-            <a:ext cx="1279800" cy="456840"/>
+            <a:ext cx="1279440" cy="456480"/>
           </a:xfrm>
           <a:prstGeom prst="rect">
             <a:avLst/>
@@ -1940,7 +1957,7 @@
         <p:spPr>
           <a:xfrm>
             <a:off x="3749040" y="1463040"/>
-            <a:ext cx="1554120" cy="456840"/>
+            <a:ext cx="1553760" cy="456480"/>
           </a:xfrm>
           <a:prstGeom prst="rect">
             <a:avLst/>
@@ -1995,7 +2012,7 @@
         <p:spPr>
           <a:xfrm>
             <a:off x="5852160" y="1463040"/>
-            <a:ext cx="1737000" cy="456840"/>
+            <a:ext cx="1736640" cy="456480"/>
           </a:xfrm>
           <a:prstGeom prst="rect">
             <a:avLst/>
@@ -2021,7 +2038,11 @@
             </a:pPr>
             <a:r>
               <a:rPr b="0" lang="en-US" sz="1200" spc="-1" strike="noStrike">
+                <a:solidFill>
+                  <a:srgbClr val="000000"/>
+                </a:solidFill>
                 <a:latin typeface="Arial"/>
+                <a:ea typeface="DejaVu Sans"/>
               </a:rPr>
               <a:t>Graph Convolutional Networks</a:t>
             </a:r>
@@ -2040,7 +2061,7 @@
         <p:spPr>
           <a:xfrm>
             <a:off x="5852160" y="1463040"/>
-            <a:ext cx="1554120" cy="456840"/>
+            <a:ext cx="1553760" cy="456480"/>
           </a:xfrm>
           <a:prstGeom prst="rect">
             <a:avLst/>
@@ -2068,7 +2089,7 @@
         <p:spPr>
           <a:xfrm>
             <a:off x="6035040" y="2579760"/>
-            <a:ext cx="914040" cy="345960"/>
+            <a:ext cx="913680" cy="345600"/>
           </a:xfrm>
           <a:prstGeom prst="rect">
             <a:avLst/>
@@ -2094,7 +2115,11 @@
             </a:pPr>
             <a:r>
               <a:rPr b="0" lang="en-US" sz="1800" spc="-1" strike="noStrike">
+                <a:solidFill>
+                  <a:srgbClr val="000000"/>
+                </a:solidFill>
                 <a:latin typeface="Arial"/>
+                <a:ea typeface="DejaVu Sans"/>
               </a:rPr>
               <a:t>2017</a:t>
             </a:r>
@@ -2113,7 +2138,7 @@
         <p:spPr>
           <a:xfrm>
             <a:off x="5852160" y="822960"/>
-            <a:ext cx="1554120" cy="456840"/>
+            <a:ext cx="1553760" cy="456480"/>
           </a:xfrm>
           <a:prstGeom prst="rect">
             <a:avLst/>
@@ -2141,7 +2166,7 @@
         <p:spPr>
           <a:xfrm>
             <a:off x="5852160" y="822960"/>
-            <a:ext cx="1737000" cy="456840"/>
+            <a:ext cx="1736640" cy="456480"/>
           </a:xfrm>
           <a:prstGeom prst="rect">
             <a:avLst/>
@@ -2167,7 +2192,11 @@
             </a:pPr>
             <a:r>
               <a:rPr b="0" lang="en-US" sz="1200" spc="-1" strike="noStrike">
+                <a:solidFill>
+                  <a:srgbClr val="000000"/>
+                </a:solidFill>
                 <a:latin typeface="Arial"/>
+                <a:ea typeface="DejaVu Sans"/>
               </a:rPr>
               <a:t>Neural Message Passing</a:t>
             </a:r>
@@ -2240,7 +2269,7 @@
         <p:spPr>
           <a:xfrm>
             <a:off x="7955280" y="1463040"/>
-            <a:ext cx="1554120" cy="456840"/>
+            <a:ext cx="1553760" cy="456480"/>
           </a:xfrm>
           <a:prstGeom prst="rect">
             <a:avLst/>
@@ -2268,7 +2297,7 @@
         <p:spPr>
           <a:xfrm>
             <a:off x="7955280" y="1463040"/>
-            <a:ext cx="1737000" cy="456840"/>
+            <a:ext cx="1736640" cy="456480"/>
           </a:xfrm>
           <a:prstGeom prst="rect">
             <a:avLst/>
@@ -2294,7 +2323,11 @@
             </a:pPr>
             <a:r>
               <a:rPr b="0" lang="en-US" sz="1200" spc="-1" strike="noStrike">
+                <a:solidFill>
+                  <a:srgbClr val="000000"/>
+                </a:solidFill>
                 <a:latin typeface="Arial"/>
+                <a:ea typeface="DejaVu Sans"/>
               </a:rPr>
               <a:t>Programs As Graphs</a:t>
             </a:r>
@@ -2313,7 +2346,7 @@
         <p:spPr>
           <a:xfrm>
             <a:off x="8321040" y="2579760"/>
-            <a:ext cx="914040" cy="345960"/>
+            <a:ext cx="913680" cy="345600"/>
           </a:xfrm>
           <a:prstGeom prst="rect">
             <a:avLst/>
@@ -2339,7 +2372,11 @@
             </a:pPr>
             <a:r>
               <a:rPr b="0" lang="en-US" sz="1800" spc="-1" strike="noStrike">
+                <a:solidFill>
+                  <a:srgbClr val="000000"/>
+                </a:solidFill>
                 <a:latin typeface="Arial"/>
+                <a:ea typeface="DejaVu Sans"/>
               </a:rPr>
               <a:t>2018</a:t>
             </a:r>
@@ -2408,14 +2445,14 @@
       </p:grpSpPr>
       <p:sp>
         <p:nvSpPr>
-          <p:cNvPr id="59" name="TextShape 1"/>
-          <p:cNvSpPr txBox="1"/>
+          <p:cNvPr id="59" name="CustomShape 1"/>
+          <p:cNvSpPr/>
           <p:nvPr/>
         </p:nvSpPr>
         <p:spPr>
           <a:xfrm>
             <a:off x="3931920" y="751320"/>
-            <a:ext cx="1280160" cy="346320"/>
+            <a:ext cx="1279800" cy="345960"/>
           </a:xfrm>
           <a:prstGeom prst="rect">
             <a:avLst/>
@@ -2425,9 +2462,20 @@
             <a:noFill/>
           </a:ln>
         </p:spPr>
+        <p:style>
+          <a:lnRef idx="0"/>
+          <a:fillRef idx="0"/>
+          <a:effectRef idx="0"/>
+          <a:fontRef idx="minor"/>
+        </p:style>
         <p:txBody>
           <a:bodyPr lIns="90000" rIns="90000" tIns="45000" bIns="45000"/>
           <a:p>
+            <a:pPr>
+              <a:lnSpc>
+                <a:spcPct val="100000"/>
+              </a:lnSpc>
+            </a:pPr>
             <a:r>
               <a:rPr b="0" lang="en-US" sz="1800" spc="-1" strike="noStrike" u="sng">
                 <a:uFillTx/>
@@ -2435,8 +2483,7 @@
               </a:rPr>
               <a:t>3 * 5 + 6</a:t>
             </a:r>
-            <a:endParaRPr b="0" lang="en-US" sz="1800" spc="-1" strike="noStrike" u="sng">
-              <a:uFillTx/>
+            <a:endParaRPr b="0" lang="en-US" sz="1800" spc="-1" strike="noStrike">
               <a:latin typeface="Arial"/>
             </a:endParaRPr>
           </a:p>
@@ -2451,7 +2498,7 @@
         <p:spPr>
           <a:xfrm>
             <a:off x="4023360" y="1097640"/>
-            <a:ext cx="822960" cy="731520"/>
+            <a:ext cx="822600" cy="731160"/>
           </a:xfrm>
           <a:prstGeom prst="ellipse">
             <a:avLst/>
@@ -2472,14 +2519,14 @@
       </p:sp>
       <p:sp>
         <p:nvSpPr>
-          <p:cNvPr id="61" name="TextShape 3"/>
-          <p:cNvSpPr txBox="1"/>
+          <p:cNvPr id="61" name="CustomShape 3"/>
+          <p:cNvSpPr/>
           <p:nvPr/>
         </p:nvSpPr>
         <p:spPr>
           <a:xfrm>
             <a:off x="4297680" y="1280160"/>
-            <a:ext cx="457200" cy="346320"/>
+            <a:ext cx="456840" cy="345960"/>
           </a:xfrm>
           <a:prstGeom prst="rect">
             <a:avLst/>
@@ -2489,9 +2536,20 @@
             <a:noFill/>
           </a:ln>
         </p:spPr>
+        <p:style>
+          <a:lnRef idx="0"/>
+          <a:fillRef idx="0"/>
+          <a:effectRef idx="0"/>
+          <a:fontRef idx="minor"/>
+        </p:style>
         <p:txBody>
           <a:bodyPr lIns="90000" rIns="90000" tIns="45000" bIns="45000"/>
           <a:p>
+            <a:pPr>
+              <a:lnSpc>
+                <a:spcPct val="100000"/>
+              </a:lnSpc>
+            </a:pPr>
             <a:r>
               <a:rPr b="0" lang="en-US" sz="1800" spc="-1" strike="noStrike">
                 <a:latin typeface="Arial"/>
@@ -2513,7 +2571,7 @@
         <p:spPr>
           <a:xfrm>
             <a:off x="3017520" y="2377440"/>
-            <a:ext cx="822960" cy="731520"/>
+            <a:ext cx="822600" cy="731160"/>
           </a:xfrm>
           <a:prstGeom prst="ellipse">
             <a:avLst/>
@@ -2534,14 +2592,14 @@
       </p:sp>
       <p:sp>
         <p:nvSpPr>
-          <p:cNvPr id="63" name="TextShape 5"/>
-          <p:cNvSpPr txBox="1"/>
+          <p:cNvPr id="63" name="CustomShape 5"/>
+          <p:cNvSpPr/>
           <p:nvPr/>
         </p:nvSpPr>
         <p:spPr>
           <a:xfrm>
             <a:off x="3300840" y="2582640"/>
-            <a:ext cx="457200" cy="346320"/>
+            <a:ext cx="456840" cy="345960"/>
           </a:xfrm>
           <a:prstGeom prst="rect">
             <a:avLst/>
@@ -2551,9 +2609,20 @@
             <a:noFill/>
           </a:ln>
         </p:spPr>
+        <p:style>
+          <a:lnRef idx="0"/>
+          <a:fillRef idx="0"/>
+          <a:effectRef idx="0"/>
+          <a:fontRef idx="minor"/>
+        </p:style>
         <p:txBody>
           <a:bodyPr lIns="90000" rIns="90000" tIns="45000" bIns="45000"/>
           <a:p>
+            <a:pPr>
+              <a:lnSpc>
+                <a:spcPct val="100000"/>
+              </a:lnSpc>
+            </a:pPr>
             <a:r>
               <a:rPr b="0" lang="en-US" sz="1800" spc="-1" strike="noStrike">
                 <a:latin typeface="Arial"/>
@@ -2575,7 +2644,7 @@
         <p:spPr>
           <a:xfrm>
             <a:off x="2103120" y="3474720"/>
-            <a:ext cx="822960" cy="731520"/>
+            <a:ext cx="822600" cy="731160"/>
           </a:xfrm>
           <a:prstGeom prst="ellipse">
             <a:avLst/>
@@ -2603,7 +2672,7 @@
         <p:spPr>
           <a:xfrm>
             <a:off x="3474720" y="3474720"/>
-            <a:ext cx="822960" cy="731520"/>
+            <a:ext cx="822600" cy="731160"/>
           </a:xfrm>
           <a:prstGeom prst="ellipse">
             <a:avLst/>
@@ -2715,7 +2784,7 @@
         <p:spPr>
           <a:xfrm>
             <a:off x="4754880" y="2286000"/>
-            <a:ext cx="822960" cy="731520"/>
+            <a:ext cx="822600" cy="731160"/>
           </a:xfrm>
           <a:prstGeom prst="ellipse">
             <a:avLst/>
@@ -2764,14 +2833,14 @@
       </p:sp>
       <p:sp>
         <p:nvSpPr>
-          <p:cNvPr id="71" name="TextShape 13"/>
-          <p:cNvSpPr txBox="1"/>
+          <p:cNvPr id="71" name="CustomShape 13"/>
+          <p:cNvSpPr/>
           <p:nvPr/>
         </p:nvSpPr>
         <p:spPr>
           <a:xfrm>
             <a:off x="2286000" y="3677040"/>
-            <a:ext cx="457200" cy="346320"/>
+            <a:ext cx="456840" cy="345960"/>
           </a:xfrm>
           <a:prstGeom prst="rect">
             <a:avLst/>
@@ -2781,9 +2850,20 @@
             <a:noFill/>
           </a:ln>
         </p:spPr>
+        <p:style>
+          <a:lnRef idx="0"/>
+          <a:fillRef idx="0"/>
+          <a:effectRef idx="0"/>
+          <a:fontRef idx="minor"/>
+        </p:style>
         <p:txBody>
           <a:bodyPr lIns="90000" rIns="90000" tIns="45000" bIns="45000"/>
           <a:p>
+            <a:pPr>
+              <a:lnSpc>
+                <a:spcPct val="100000"/>
+              </a:lnSpc>
+            </a:pPr>
             <a:r>
               <a:rPr b="0" lang="en-US" sz="1800" spc="-1" strike="noStrike">
                 <a:latin typeface="Arial"/>
@@ -2798,14 +2878,14 @@
       </p:sp>
       <p:sp>
         <p:nvSpPr>
-          <p:cNvPr id="72" name="TextShape 14"/>
-          <p:cNvSpPr txBox="1"/>
+          <p:cNvPr id="72" name="CustomShape 14"/>
+          <p:cNvSpPr/>
           <p:nvPr/>
         </p:nvSpPr>
         <p:spPr>
           <a:xfrm>
             <a:off x="3657600" y="3677040"/>
-            <a:ext cx="457200" cy="346320"/>
+            <a:ext cx="456840" cy="345960"/>
           </a:xfrm>
           <a:prstGeom prst="rect">
             <a:avLst/>
@@ -2815,9 +2895,20 @@
             <a:noFill/>
           </a:ln>
         </p:spPr>
+        <p:style>
+          <a:lnRef idx="0"/>
+          <a:fillRef idx="0"/>
+          <a:effectRef idx="0"/>
+          <a:fontRef idx="minor"/>
+        </p:style>
         <p:txBody>
           <a:bodyPr lIns="90000" rIns="90000" tIns="45000" bIns="45000"/>
           <a:p>
+            <a:pPr>
+              <a:lnSpc>
+                <a:spcPct val="100000"/>
+              </a:lnSpc>
+            </a:pPr>
             <a:r>
               <a:rPr b="0" lang="en-US" sz="1800" spc="-1" strike="noStrike">
                 <a:latin typeface="Arial"/>
@@ -2832,14 +2923,14 @@
       </p:sp>
       <p:sp>
         <p:nvSpPr>
-          <p:cNvPr id="73" name="TextShape 15"/>
-          <p:cNvSpPr txBox="1"/>
+          <p:cNvPr id="73" name="CustomShape 15"/>
+          <p:cNvSpPr/>
           <p:nvPr/>
         </p:nvSpPr>
         <p:spPr>
           <a:xfrm>
             <a:off x="4937760" y="2488320"/>
-            <a:ext cx="457200" cy="346320"/>
+            <a:ext cx="456840" cy="345960"/>
           </a:xfrm>
           <a:prstGeom prst="rect">
             <a:avLst/>
@@ -2849,9 +2940,20 @@
             <a:noFill/>
           </a:ln>
         </p:spPr>
+        <p:style>
+          <a:lnRef idx="0"/>
+          <a:fillRef idx="0"/>
+          <a:effectRef idx="0"/>
+          <a:fontRef idx="minor"/>
+        </p:style>
         <p:txBody>
           <a:bodyPr lIns="90000" rIns="90000" tIns="45000" bIns="45000"/>
           <a:p>
+            <a:pPr>
+              <a:lnSpc>
+                <a:spcPct val="100000"/>
+              </a:lnSpc>
+            </a:pPr>
             <a:r>
               <a:rPr b="0" lang="en-US" sz="1800" spc="-1" strike="noStrike">
                 <a:latin typeface="Arial"/>
@@ -2923,14 +3025,14 @@
       </p:grpSpPr>
       <p:sp>
         <p:nvSpPr>
-          <p:cNvPr id="74" name="TextShape 1"/>
-          <p:cNvSpPr txBox="1"/>
+          <p:cNvPr id="74" name="CustomShape 1"/>
+          <p:cNvSpPr/>
           <p:nvPr/>
         </p:nvSpPr>
         <p:spPr>
           <a:xfrm>
             <a:off x="1097280" y="822960"/>
-            <a:ext cx="2011680" cy="346320"/>
+            <a:ext cx="2011320" cy="345960"/>
           </a:xfrm>
           <a:prstGeom prst="rect">
             <a:avLst/>
@@ -2940,6 +3042,12 @@
             <a:noFill/>
           </a:ln>
         </p:spPr>
+        <p:style>
+          <a:lnRef idx="0"/>
+          <a:fillRef idx="0"/>
+          <a:effectRef idx="0"/>
+          <a:fontRef idx="minor"/>
+        </p:style>
       </p:sp>
       <p:sp>
         <p:nvSpPr>
@@ -2950,7 +3058,7 @@
         <p:spPr>
           <a:xfrm>
             <a:off x="1463040" y="1645920"/>
-            <a:ext cx="1280160" cy="640080"/>
+            <a:ext cx="1279800" cy="639720"/>
           </a:xfrm>
           <a:prstGeom prst="rect">
             <a:avLst/>
@@ -2971,14 +3079,14 @@
       </p:sp>
       <p:sp>
         <p:nvSpPr>
-          <p:cNvPr id="76" name="TextShape 3"/>
-          <p:cNvSpPr txBox="1"/>
+          <p:cNvPr id="76" name="CustomShape 3"/>
+          <p:cNvSpPr/>
           <p:nvPr/>
         </p:nvSpPr>
         <p:spPr>
           <a:xfrm>
             <a:off x="1645920" y="1737360"/>
-            <a:ext cx="914400" cy="431640"/>
+            <a:ext cx="914040" cy="431280"/>
           </a:xfrm>
           <a:prstGeom prst="rect">
             <a:avLst/>
@@ -2988,9 +3096,20 @@
             <a:noFill/>
           </a:ln>
         </p:spPr>
+        <p:style>
+          <a:lnRef idx="0"/>
+          <a:fillRef idx="0"/>
+          <a:effectRef idx="0"/>
+          <a:fontRef idx="minor"/>
+        </p:style>
         <p:txBody>
           <a:bodyPr lIns="90000" rIns="90000" tIns="45000" bIns="45000"/>
           <a:p>
+            <a:pPr>
+              <a:lnSpc>
+                <a:spcPct val="100000"/>
+              </a:lnSpc>
+            </a:pPr>
             <a:r>
               <a:rPr b="0" lang="en-US" sz="1200" spc="-1" strike="noStrike">
                 <a:latin typeface="Arial"/>
@@ -3012,7 +3131,7 @@
         <p:spPr>
           <a:xfrm>
             <a:off x="1463040" y="1645920"/>
-            <a:ext cx="1280160" cy="640080"/>
+            <a:ext cx="1279800" cy="639720"/>
           </a:xfrm>
           <a:prstGeom prst="rect">
             <a:avLst/>
@@ -3033,14 +3152,14 @@
       </p:sp>
       <p:sp>
         <p:nvSpPr>
-          <p:cNvPr id="78" name="TextShape 5"/>
-          <p:cNvSpPr txBox="1"/>
+          <p:cNvPr id="78" name="CustomShape 5"/>
+          <p:cNvSpPr/>
           <p:nvPr/>
         </p:nvSpPr>
         <p:spPr>
           <a:xfrm>
             <a:off x="1645920" y="1737360"/>
-            <a:ext cx="914400" cy="431640"/>
+            <a:ext cx="914040" cy="431280"/>
           </a:xfrm>
           <a:prstGeom prst="rect">
             <a:avLst/>
@@ -3050,9 +3169,20 @@
             <a:noFill/>
           </a:ln>
         </p:spPr>
+        <p:style>
+          <a:lnRef idx="0"/>
+          <a:fillRef idx="0"/>
+          <a:effectRef idx="0"/>
+          <a:fontRef idx="minor"/>
+        </p:style>
         <p:txBody>
           <a:bodyPr lIns="90000" rIns="90000" tIns="45000" bIns="45000"/>
           <a:p>
+            <a:pPr>
+              <a:lnSpc>
+                <a:spcPct val="100000"/>
+              </a:lnSpc>
+            </a:pPr>
             <a:r>
               <a:rPr b="0" lang="en-US" sz="1200" spc="-1" strike="noStrike">
                 <a:latin typeface="Arial"/>
@@ -3074,7 +3204,7 @@
         <p:spPr>
           <a:xfrm>
             <a:off x="3108960" y="1645920"/>
-            <a:ext cx="1280160" cy="640080"/>
+            <a:ext cx="1279800" cy="639720"/>
           </a:xfrm>
           <a:prstGeom prst="rect">
             <a:avLst/>
@@ -3102,7 +3232,7 @@
         <p:spPr>
           <a:xfrm>
             <a:off x="3108960" y="1645920"/>
-            <a:ext cx="1280160" cy="640080"/>
+            <a:ext cx="1279800" cy="639720"/>
           </a:xfrm>
           <a:prstGeom prst="rect">
             <a:avLst/>
@@ -3130,7 +3260,7 @@
         <p:spPr>
           <a:xfrm>
             <a:off x="4754880" y="1645920"/>
-            <a:ext cx="1280160" cy="640080"/>
+            <a:ext cx="1279800" cy="639720"/>
           </a:xfrm>
           <a:prstGeom prst="rect">
             <a:avLst/>
@@ -3151,14 +3281,14 @@
       </p:sp>
       <p:sp>
         <p:nvSpPr>
-          <p:cNvPr id="82" name="TextShape 9"/>
-          <p:cNvSpPr txBox="1"/>
+          <p:cNvPr id="82" name="CustomShape 9"/>
+          <p:cNvSpPr/>
           <p:nvPr/>
         </p:nvSpPr>
         <p:spPr>
           <a:xfrm>
             <a:off x="4937760" y="1683720"/>
-            <a:ext cx="914400" cy="602280"/>
+            <a:ext cx="914040" cy="601920"/>
           </a:xfrm>
           <a:prstGeom prst="rect">
             <a:avLst/>
@@ -3168,9 +3298,20 @@
             <a:noFill/>
           </a:ln>
         </p:spPr>
+        <p:style>
+          <a:lnRef idx="0"/>
+          <a:fillRef idx="0"/>
+          <a:effectRef idx="0"/>
+          <a:fontRef idx="minor"/>
+        </p:style>
         <p:txBody>
           <a:bodyPr lIns="90000" rIns="90000" tIns="45000" bIns="45000"/>
           <a:p>
+            <a:pPr>
+              <a:lnSpc>
+                <a:spcPct val="100000"/>
+              </a:lnSpc>
+            </a:pPr>
             <a:r>
               <a:rPr b="0" lang="en-US" sz="1200" spc="-1" strike="noStrike">
                 <a:latin typeface="Arial"/>
@@ -3192,7 +3333,7 @@
         <p:spPr>
           <a:xfrm>
             <a:off x="4754880" y="1645920"/>
-            <a:ext cx="1280160" cy="640080"/>
+            <a:ext cx="1279800" cy="639720"/>
           </a:xfrm>
           <a:prstGeom prst="rect">
             <a:avLst/>
@@ -3220,7 +3361,7 @@
         <p:spPr>
           <a:xfrm>
             <a:off x="6309360" y="1645920"/>
-            <a:ext cx="1280160" cy="640080"/>
+            <a:ext cx="1279800" cy="639720"/>
           </a:xfrm>
           <a:prstGeom prst="rect">
             <a:avLst/>
@@ -3241,14 +3382,14 @@
       </p:sp>
       <p:sp>
         <p:nvSpPr>
-          <p:cNvPr id="85" name="TextShape 12"/>
-          <p:cNvSpPr txBox="1"/>
+          <p:cNvPr id="85" name="CustomShape 12"/>
+          <p:cNvSpPr/>
           <p:nvPr/>
         </p:nvSpPr>
         <p:spPr>
           <a:xfrm>
             <a:off x="6492240" y="1737360"/>
-            <a:ext cx="914400" cy="431640"/>
+            <a:ext cx="914040" cy="431280"/>
           </a:xfrm>
           <a:prstGeom prst="rect">
             <a:avLst/>
@@ -3258,9 +3399,20 @@
             <a:noFill/>
           </a:ln>
         </p:spPr>
+        <p:style>
+          <a:lnRef idx="0"/>
+          <a:fillRef idx="0"/>
+          <a:effectRef idx="0"/>
+          <a:fontRef idx="minor"/>
+        </p:style>
         <p:txBody>
           <a:bodyPr lIns="90000" rIns="90000" tIns="45000" bIns="45000"/>
           <a:p>
+            <a:pPr>
+              <a:lnSpc>
+                <a:spcPct val="100000"/>
+              </a:lnSpc>
+            </a:pPr>
             <a:r>
               <a:rPr b="0" lang="en-US" sz="1200" spc="-1" strike="noStrike">
                 <a:latin typeface="Arial"/>
@@ -3282,7 +3434,7 @@
         <p:spPr>
           <a:xfrm>
             <a:off x="6309360" y="1645920"/>
-            <a:ext cx="1280160" cy="640080"/>
+            <a:ext cx="1279800" cy="639720"/>
           </a:xfrm>
           <a:prstGeom prst="rect">
             <a:avLst/>
@@ -3303,14 +3455,14 @@
       </p:sp>
       <p:sp>
         <p:nvSpPr>
-          <p:cNvPr id="87" name="TextShape 14"/>
-          <p:cNvSpPr txBox="1"/>
+          <p:cNvPr id="87" name="CustomShape 14"/>
+          <p:cNvSpPr/>
           <p:nvPr/>
         </p:nvSpPr>
         <p:spPr>
           <a:xfrm>
             <a:off x="3383280" y="1828800"/>
-            <a:ext cx="914400" cy="261000"/>
+            <a:ext cx="914040" cy="260640"/>
           </a:xfrm>
           <a:prstGeom prst="rect">
             <a:avLst/>
@@ -3320,9 +3472,20 @@
             <a:noFill/>
           </a:ln>
         </p:spPr>
+        <p:style>
+          <a:lnRef idx="0"/>
+          <a:fillRef idx="0"/>
+          <a:effectRef idx="0"/>
+          <a:fontRef idx="minor"/>
+        </p:style>
         <p:txBody>
           <a:bodyPr lIns="90000" rIns="90000" tIns="45000" bIns="45000"/>
           <a:p>
+            <a:pPr>
+              <a:lnSpc>
+                <a:spcPct val="100000"/>
+              </a:lnSpc>
+            </a:pPr>
             <a:r>
               <a:rPr b="0" lang="en-US" sz="1200" spc="-1" strike="noStrike">
                 <a:latin typeface="Arial"/>
@@ -3337,14 +3500,14 @@
       </p:sp>
       <p:sp>
         <p:nvSpPr>
-          <p:cNvPr id="88" name="TextShape 15"/>
-          <p:cNvSpPr txBox="1"/>
+          <p:cNvPr id="88" name="CustomShape 15"/>
+          <p:cNvSpPr/>
           <p:nvPr/>
         </p:nvSpPr>
         <p:spPr>
           <a:xfrm>
             <a:off x="4937760" y="860760"/>
-            <a:ext cx="1097280" cy="772920"/>
+            <a:ext cx="1096920" cy="772560"/>
           </a:xfrm>
           <a:prstGeom prst="rect">
             <a:avLst/>
@@ -3354,9 +3517,20 @@
             <a:noFill/>
           </a:ln>
         </p:spPr>
+        <p:style>
+          <a:lnRef idx="0"/>
+          <a:fillRef idx="0"/>
+          <a:effectRef idx="0"/>
+          <a:fontRef idx="minor"/>
+        </p:style>
         <p:txBody>
           <a:bodyPr lIns="90000" rIns="90000" tIns="45000" bIns="45000"/>
           <a:p>
+            <a:pPr>
+              <a:lnSpc>
+                <a:spcPct val="100000"/>
+              </a:lnSpc>
+            </a:pPr>
             <a:r>
               <a:rPr b="0" lang="en-US" sz="1200" spc="-1" strike="noStrike">
                 <a:latin typeface="Arial"/>
@@ -3378,7 +3552,7 @@
         <p:spPr>
           <a:xfrm>
             <a:off x="4754880" y="822960"/>
-            <a:ext cx="1280160" cy="640080"/>
+            <a:ext cx="1279800" cy="639720"/>
           </a:xfrm>
           <a:prstGeom prst="rect">
             <a:avLst/>
@@ -3406,7 +3580,7 @@
         <p:spPr>
           <a:xfrm>
             <a:off x="2743200" y="2011680"/>
-            <a:ext cx="365760" cy="0"/>
+            <a:ext cx="365760" cy="360"/>
           </a:xfrm>
           <a:prstGeom prst="line">
             <a:avLst/>
@@ -3434,7 +3608,7 @@
         <p:spPr>
           <a:xfrm>
             <a:off x="4389120" y="2011680"/>
-            <a:ext cx="365760" cy="0"/>
+            <a:ext cx="365760" cy="360"/>
           </a:xfrm>
           <a:prstGeom prst="line">
             <a:avLst/>
@@ -3490,7 +3664,7 @@
         <p:spPr>
           <a:xfrm>
             <a:off x="7863840" y="1645920"/>
-            <a:ext cx="1280160" cy="640080"/>
+            <a:ext cx="1279800" cy="639720"/>
           </a:xfrm>
           <a:prstGeom prst="rect">
             <a:avLst/>
@@ -3511,14 +3685,14 @@
       </p:sp>
       <p:sp>
         <p:nvSpPr>
-          <p:cNvPr id="94" name="TextShape 21"/>
-          <p:cNvSpPr txBox="1"/>
+          <p:cNvPr id="94" name="CustomShape 21"/>
+          <p:cNvSpPr/>
           <p:nvPr/>
         </p:nvSpPr>
         <p:spPr>
           <a:xfrm>
             <a:off x="8046720" y="1737360"/>
-            <a:ext cx="914400" cy="431640"/>
+            <a:ext cx="914040" cy="431280"/>
           </a:xfrm>
           <a:prstGeom prst="rect">
             <a:avLst/>
@@ -3528,9 +3702,20 @@
             <a:noFill/>
           </a:ln>
         </p:spPr>
+        <p:style>
+          <a:lnRef idx="0"/>
+          <a:fillRef idx="0"/>
+          <a:effectRef idx="0"/>
+          <a:fontRef idx="minor"/>
+        </p:style>
         <p:txBody>
           <a:bodyPr lIns="90000" rIns="90000" tIns="45000" bIns="45000"/>
           <a:p>
+            <a:pPr>
+              <a:lnSpc>
+                <a:spcPct val="100000"/>
+              </a:lnSpc>
+            </a:pPr>
             <a:r>
               <a:rPr b="0" lang="en-US" sz="1200" spc="-1" strike="noStrike">
                 <a:latin typeface="Arial"/>
@@ -3552,7 +3737,7 @@
         <p:spPr>
           <a:xfrm>
             <a:off x="6035040" y="1920240"/>
-            <a:ext cx="274320" cy="0"/>
+            <a:ext cx="274320" cy="360"/>
           </a:xfrm>
           <a:prstGeom prst="line">
             <a:avLst/>
@@ -3580,7 +3765,7 @@
         <p:spPr>
           <a:xfrm>
             <a:off x="7589520" y="1920240"/>
-            <a:ext cx="274320" cy="0"/>
+            <a:ext cx="274320" cy="360"/>
           </a:xfrm>
           <a:prstGeom prst="line">
             <a:avLst/>
@@ -3616,6 +3801,269 @@
           <p:childTnLst>
             <p:seq>
               <p:cTn id="6" dur="indefinite" nodeType="mainSeq"/>
+              <p:prevCondLst>
+                <p:cond delay="0" evt="onPrev">
+                  <p:tgtEl>
+                    <p:sldTgt/>
+                  </p:tgtEl>
+                </p:cond>
+              </p:prevCondLst>
+              <p:nextCondLst>
+                <p:cond delay="0" evt="onNext">
+                  <p:tgtEl>
+                    <p:sldTgt/>
+                  </p:tgtEl>
+                </p:cond>
+              </p:nextCondLst>
+            </p:seq>
+          </p:childTnLst>
+        </p:cTn>
+      </p:par>
+    </p:tnLst>
+  </p:timing>
+</p:sld>
+</file>
+
+<file path=ppt/slides/slide4.xml><?xml version="1.0" encoding="utf-8"?>
+<p:sld xmlns:a="http://schemas.openxmlformats.org/drawingml/2006/main" xmlns:p="http://schemas.openxmlformats.org/presentationml/2006/main" xmlns:r="http://schemas.openxmlformats.org/officeDocument/2006/relationships" xmlns:p14="http://schemas.microsoft.com/office/powerpoint/2010/main" xmlns:p15="http://schemas.microsoft.com/office/powerpoint/2012/main" xmlns:mc="http://schemas.openxmlformats.org/markup-compatibility/2006">
+  <p:cSld>
+    <p:spTree>
+      <p:nvGrpSpPr>
+        <p:cNvPr id="1" name=""/>
+        <p:cNvGrpSpPr/>
+        <p:nvPr/>
+      </p:nvGrpSpPr>
+      <p:grpSpPr>
+        <a:xfrm>
+          <a:off x="0" y="0"/>
+          <a:ext cx="0" cy="0"/>
+          <a:chOff x="0" y="0"/>
+          <a:chExt cx="0" cy="0"/>
+        </a:xfrm>
+      </p:grpSpPr>
+      <p:sp>
+        <p:nvSpPr>
+          <p:cNvPr id="97" name="CustomShape 1"/>
+          <p:cNvSpPr/>
+          <p:nvPr/>
+        </p:nvSpPr>
+        <p:spPr>
+          <a:xfrm>
+            <a:off x="3017520" y="822960"/>
+            <a:ext cx="1463040" cy="1371600"/>
+          </a:xfrm>
+          <a:prstGeom prst="flowChartConnector">
+            <a:avLst/>
+          </a:prstGeom>
+          <a:noFill/>
+          <a:ln>
+            <a:solidFill>
+              <a:srgbClr val="000000"/>
+            </a:solidFill>
+          </a:ln>
+        </p:spPr>
+        <p:style>
+          <a:lnRef idx="0"/>
+          <a:fillRef idx="0"/>
+          <a:effectRef idx="0"/>
+          <a:fontRef idx="minor"/>
+        </p:style>
+      </p:sp>
+      <p:sp>
+        <p:nvSpPr>
+          <p:cNvPr id="98" name="CustomShape 2"/>
+          <p:cNvSpPr/>
+          <p:nvPr/>
+        </p:nvSpPr>
+        <p:spPr>
+          <a:xfrm>
+            <a:off x="5394960" y="822960"/>
+            <a:ext cx="1463040" cy="1371600"/>
+          </a:xfrm>
+          <a:prstGeom prst="flowChartConnector">
+            <a:avLst/>
+          </a:prstGeom>
+          <a:noFill/>
+          <a:ln>
+            <a:solidFill>
+              <a:srgbClr val="000000"/>
+            </a:solidFill>
+          </a:ln>
+        </p:spPr>
+        <p:style>
+          <a:lnRef idx="0"/>
+          <a:fillRef idx="0"/>
+          <a:effectRef idx="0"/>
+          <a:fontRef idx="minor"/>
+        </p:style>
+      </p:sp>
+      <p:cxnSp>
+        <p:nvCxnSpPr>
+          <p:cNvPr id="99" name="Line 3"/>
+          <p:cNvCxnSpPr>
+            <a:stCxn id="97" idx="6"/>
+            <a:endCxn id="98" idx="2"/>
+          </p:cNvCxnSpPr>
+          <p:nvPr/>
+        </p:nvCxnSpPr>
+        <p:spPr>
+          <a:xfrm>
+            <a:off x="4480560" y="1508760"/>
+            <a:ext cx="914760" cy="360"/>
+          </a:xfrm>
+          <a:prstGeom prst="straightConnector1">
+            <a:avLst/>
+          </a:prstGeom>
+          <a:ln>
+            <a:solidFill>
+              <a:srgbClr val="000000"/>
+            </a:solidFill>
+            <a:tailEnd len="med" type="triangle" w="med"/>
+          </a:ln>
+        </p:spPr>
+      </p:cxnSp>
+      <p:sp>
+        <p:nvSpPr>
+          <p:cNvPr id="100" name="TextShape 4"/>
+          <p:cNvSpPr txBox="1"/>
+          <p:nvPr/>
+        </p:nvSpPr>
+        <p:spPr>
+          <a:xfrm>
+            <a:off x="4480560" y="1214280"/>
+            <a:ext cx="1005840" cy="431640"/>
+          </a:xfrm>
+          <a:prstGeom prst="rect">
+            <a:avLst/>
+          </a:prstGeom>
+          <a:noFill/>
+          <a:ln>
+            <a:noFill/>
+          </a:ln>
+        </p:spPr>
+        <p:txBody>
+          <a:bodyPr lIns="90000" rIns="90000" tIns="45000" bIns="45000"/>
+          <a:p>
+            <a:r>
+              <a:rPr b="0" lang="en-US" sz="1200" spc="-1" strike="noStrike">
+                <a:latin typeface="Arial"/>
+              </a:rPr>
+              <a:t>NextToken</a:t>
+            </a:r>
+            <a:endParaRPr b="0" lang="en-US" sz="1200" spc="-1" strike="noStrike">
+              <a:latin typeface="Arial"/>
+            </a:endParaRPr>
+          </a:p>
+        </p:txBody>
+      </p:sp>
+      <p:sp>
+        <p:nvSpPr>
+          <p:cNvPr id="101" name="TextShape 5"/>
+          <p:cNvSpPr txBox="1"/>
+          <p:nvPr/>
+        </p:nvSpPr>
+        <p:spPr>
+          <a:xfrm>
+            <a:off x="3474720" y="1299600"/>
+            <a:ext cx="731520" cy="346320"/>
+          </a:xfrm>
+          <a:prstGeom prst="rect">
+            <a:avLst/>
+          </a:prstGeom>
+          <a:noFill/>
+          <a:ln>
+            <a:noFill/>
+          </a:ln>
+        </p:spPr>
+        <p:txBody>
+          <a:bodyPr lIns="90000" rIns="90000" tIns="45000" bIns="45000"/>
+          <a:p>
+            <a:r>
+              <a:rPr b="0" lang="en-US" sz="1800" spc="-1" strike="noStrike">
+                <a:latin typeface="Arial"/>
+              </a:rPr>
+              <a:t>x</a:t>
+            </a:r>
+            <a:endParaRPr b="0" lang="en-US" sz="1800" spc="-1" strike="noStrike">
+              <a:latin typeface="Arial"/>
+            </a:endParaRPr>
+          </a:p>
+        </p:txBody>
+      </p:sp>
+      <p:sp>
+        <p:nvSpPr>
+          <p:cNvPr id="102" name="TextShape 6"/>
+          <p:cNvSpPr txBox="1"/>
+          <p:nvPr/>
+        </p:nvSpPr>
+        <p:spPr>
+          <a:xfrm>
+            <a:off x="5943600" y="1280160"/>
+            <a:ext cx="731520" cy="346320"/>
+          </a:xfrm>
+          <a:prstGeom prst="rect">
+            <a:avLst/>
+          </a:prstGeom>
+          <a:noFill/>
+          <a:ln>
+            <a:noFill/>
+          </a:ln>
+        </p:spPr>
+        <p:txBody>
+          <a:bodyPr lIns="90000" rIns="90000" tIns="45000" bIns="45000"/>
+          <a:p>
+            <a:r>
+              <a:rPr b="0" lang="en-US" sz="1800" spc="-1" strike="noStrike">
+                <a:latin typeface="Arial"/>
+              </a:rPr>
+              <a:t>y</a:t>
+            </a:r>
+            <a:endParaRPr b="0" lang="en-US" sz="1800" spc="-1" strike="noStrike">
+              <a:latin typeface="Arial"/>
+            </a:endParaRPr>
+          </a:p>
+        </p:txBody>
+      </p:sp>
+      <p:pic>
+        <p:nvPicPr>
+          <p:cNvPr id="103" name="" descr=""/>
+          <p:cNvPicPr/>
+          <p:nvPr/>
+        </p:nvPicPr>
+        <p:blipFill>
+          <a:blip r:embed="rId1"/>
+          <a:stretch/>
+        </p:blipFill>
+        <p:spPr>
+          <a:xfrm>
+            <a:off x="4060800" y="274320"/>
+            <a:ext cx="1699920" cy="342720"/>
+          </a:xfrm>
+          <a:prstGeom prst="rect">
+            <a:avLst/>
+          </a:prstGeom>
+          <a:ln>
+            <a:noFill/>
+          </a:ln>
+        </p:spPr>
+      </p:pic>
+    </p:spTree>
+  </p:cSld>
+  <mc:AlternateContent>
+    <mc:Choice Requires="p14">
+      <p:transition spd="slow" p14:dur="2000"/>
+    </mc:Choice>
+    <mc:Fallback>
+      <p:transition spd="slow"/>
+    </mc:Fallback>
+  </mc:AlternateContent>
+  <p:timing>
+    <p:tnLst>
+      <p:par>
+        <p:cTn id="7" dur="indefinite" restart="never" nodeType="tmRoot">
+          <p:childTnLst>
+            <p:seq>
+              <p:cTn id="8" dur="indefinite" nodeType="mainSeq"/>
               <p:prevCondLst>
                 <p:cond delay="0" evt="onPrev">
                   <p:tgtEl>

--- a/assets/FiguresForFinalReport.pptx
+++ b/assets/FiguresForFinalReport.pptx
@@ -9,6 +9,7 @@
     <p:sldId id="257" r:id="rId4"/>
     <p:sldId id="258" r:id="rId5"/>
     <p:sldId id="259" r:id="rId6"/>
+    <p:sldId id="260" r:id="rId7"/>
   </p:sldIdLst>
   <p:sldSz cx="10080625" cy="5670550"/>
   <p:notesSz cx="7772400" cy="10058400"/>
@@ -4047,6 +4048,236 @@
           </a:ln>
         </p:spPr>
       </p:pic>
+      <p:pic>
+        <p:nvPicPr>
+          <p:cNvPr id="104" name="" descr=""/>
+          <p:cNvPicPr/>
+          <p:nvPr/>
+        </p:nvPicPr>
+        <p:blipFill>
+          <a:blip r:embed="rId2"/>
+          <a:stretch/>
+        </p:blipFill>
+        <p:spPr>
+          <a:xfrm>
+            <a:off x="4098600" y="2829240"/>
+            <a:ext cx="1871280" cy="371160"/>
+          </a:xfrm>
+          <a:prstGeom prst="rect">
+            <a:avLst/>
+          </a:prstGeom>
+          <a:ln>
+            <a:noFill/>
+          </a:ln>
+        </p:spPr>
+      </p:pic>
+      <p:sp>
+        <p:nvSpPr>
+          <p:cNvPr id="105" name="CustomShape 7"/>
+          <p:cNvSpPr/>
+          <p:nvPr/>
+        </p:nvSpPr>
+        <p:spPr>
+          <a:xfrm>
+            <a:off x="3017520" y="3291840"/>
+            <a:ext cx="1463040" cy="1371600"/>
+          </a:xfrm>
+          <a:prstGeom prst="flowChartConnector">
+            <a:avLst/>
+          </a:prstGeom>
+          <a:noFill/>
+          <a:ln>
+            <a:solidFill>
+              <a:srgbClr val="000000"/>
+            </a:solidFill>
+          </a:ln>
+        </p:spPr>
+        <p:style>
+          <a:lnRef idx="0"/>
+          <a:fillRef idx="0"/>
+          <a:effectRef idx="0"/>
+          <a:fontRef idx="minor"/>
+        </p:style>
+      </p:sp>
+      <p:sp>
+        <p:nvSpPr>
+          <p:cNvPr id="106" name="CustomShape 8"/>
+          <p:cNvSpPr/>
+          <p:nvPr/>
+        </p:nvSpPr>
+        <p:spPr>
+          <a:xfrm>
+            <a:off x="5394960" y="3291840"/>
+            <a:ext cx="1463040" cy="1371600"/>
+          </a:xfrm>
+          <a:prstGeom prst="flowChartConnector">
+            <a:avLst/>
+          </a:prstGeom>
+          <a:noFill/>
+          <a:ln>
+            <a:solidFill>
+              <a:srgbClr val="000000"/>
+            </a:solidFill>
+          </a:ln>
+        </p:spPr>
+        <p:style>
+          <a:lnRef idx="0"/>
+          <a:fillRef idx="0"/>
+          <a:effectRef idx="0"/>
+          <a:fontRef idx="minor"/>
+        </p:style>
+      </p:sp>
+      <p:cxnSp>
+        <p:nvCxnSpPr>
+          <p:cNvPr id="107" name="Line 9"/>
+          <p:cNvCxnSpPr>
+            <a:stCxn id="105" idx="6"/>
+            <a:endCxn id="106" idx="2"/>
+          </p:cNvCxnSpPr>
+          <p:nvPr/>
+        </p:nvCxnSpPr>
+        <p:spPr>
+          <a:xfrm>
+            <a:off x="4480560" y="3977640"/>
+            <a:ext cx="914760" cy="360"/>
+          </a:xfrm>
+          <a:prstGeom prst="straightConnector1">
+            <a:avLst/>
+          </a:prstGeom>
+          <a:ln>
+            <a:solidFill>
+              <a:srgbClr val="000000"/>
+            </a:solidFill>
+            <a:tailEnd len="med" type="triangle" w="med"/>
+          </a:ln>
+        </p:spPr>
+      </p:cxnSp>
+      <p:sp>
+        <p:nvSpPr>
+          <p:cNvPr id="108" name="TextShape 10"/>
+          <p:cNvSpPr txBox="1"/>
+          <p:nvPr/>
+        </p:nvSpPr>
+        <p:spPr>
+          <a:xfrm>
+            <a:off x="4480560" y="3683160"/>
+            <a:ext cx="1005840" cy="431640"/>
+          </a:xfrm>
+          <a:prstGeom prst="rect">
+            <a:avLst/>
+          </a:prstGeom>
+          <a:noFill/>
+          <a:ln>
+            <a:noFill/>
+          </a:ln>
+        </p:spPr>
+        <p:txBody>
+          <a:bodyPr lIns="90000" rIns="90000" tIns="45000" bIns="45000"/>
+          <a:p>
+            <a:r>
+              <a:rPr b="0" lang="en-US" sz="1200" spc="-1" strike="noStrike">
+                <a:latin typeface="Arial"/>
+              </a:rPr>
+              <a:t>LastWrite</a:t>
+            </a:r>
+            <a:endParaRPr b="0" lang="en-US" sz="1200" spc="-1" strike="noStrike">
+              <a:latin typeface="Arial"/>
+            </a:endParaRPr>
+          </a:p>
+        </p:txBody>
+      </p:sp>
+      <p:sp>
+        <p:nvSpPr>
+          <p:cNvPr id="109" name="TextShape 11"/>
+          <p:cNvSpPr txBox="1"/>
+          <p:nvPr/>
+        </p:nvSpPr>
+        <p:spPr>
+          <a:xfrm>
+            <a:off x="3383280" y="3749040"/>
+            <a:ext cx="731520" cy="374400"/>
+          </a:xfrm>
+          <a:prstGeom prst="rect">
+            <a:avLst/>
+          </a:prstGeom>
+          <a:noFill/>
+          <a:ln>
+            <a:noFill/>
+          </a:ln>
+        </p:spPr>
+        <p:txBody>
+          <a:bodyPr lIns="90000" rIns="90000" tIns="45000" bIns="45000"/>
+          <a:p>
+            <a:r>
+              <a:rPr b="0" lang="en-US" sz="1800" spc="-1" strike="noStrike">
+                <a:latin typeface="Arial"/>
+              </a:rPr>
+              <a:t>2</a:t>
+            </a:r>
+            <a:r>
+              <a:rPr b="0" lang="en-US" sz="1800" spc="-1" strike="noStrike" baseline="101000">
+                <a:latin typeface="Arial"/>
+              </a:rPr>
+              <a:t>nd</a:t>
+            </a:r>
+            <a:r>
+              <a:rPr b="0" lang="en-US" sz="1800" spc="-1" strike="noStrike">
+                <a:latin typeface="Arial"/>
+              </a:rPr>
+              <a:t> x</a:t>
+            </a:r>
+            <a:endParaRPr b="0" lang="en-US" sz="1800" spc="-1" strike="noStrike">
+              <a:latin typeface="Arial"/>
+            </a:endParaRPr>
+          </a:p>
+        </p:txBody>
+      </p:sp>
+      <p:sp>
+        <p:nvSpPr>
+          <p:cNvPr id="110" name="TextShape 12"/>
+          <p:cNvSpPr txBox="1"/>
+          <p:nvPr/>
+        </p:nvSpPr>
+        <p:spPr>
+          <a:xfrm>
+            <a:off x="5760720" y="3749040"/>
+            <a:ext cx="731520" cy="374400"/>
+          </a:xfrm>
+          <a:prstGeom prst="rect">
+            <a:avLst/>
+          </a:prstGeom>
+          <a:noFill/>
+          <a:ln>
+            <a:noFill/>
+          </a:ln>
+        </p:spPr>
+        <p:txBody>
+          <a:bodyPr lIns="90000" rIns="90000" tIns="45000" bIns="45000"/>
+          <a:p>
+            <a:r>
+              <a:rPr b="0" lang="en-US" sz="1800" spc="-1" strike="noStrike">
+                <a:latin typeface="Arial"/>
+              </a:rPr>
+              <a:t>1</a:t>
+            </a:r>
+            <a:r>
+              <a:rPr b="0" lang="en-US" sz="1800" spc="-1" strike="noStrike" baseline="101000">
+                <a:latin typeface="Arial"/>
+              </a:rPr>
+              <a:t>st</a:t>
+            </a:r>
+            <a:r>
+              <a:rPr b="0" lang="en-US" sz="1800" spc="-1" strike="noStrike">
+                <a:latin typeface="Arial"/>
+              </a:rPr>
+              <a:t> x</a:t>
+            </a:r>
+            <a:endParaRPr b="0" lang="en-US" sz="1800" spc="-1" strike="noStrike">
+              <a:latin typeface="Arial"/>
+            </a:endParaRPr>
+          </a:p>
+        </p:txBody>
+      </p:sp>
     </p:spTree>
   </p:cSld>
   <mc:AlternateContent>
@@ -4064,6 +4295,866 @@
           <p:childTnLst>
             <p:seq>
               <p:cTn id="8" dur="indefinite" nodeType="mainSeq"/>
+              <p:prevCondLst>
+                <p:cond delay="0" evt="onPrev">
+                  <p:tgtEl>
+                    <p:sldTgt/>
+                  </p:tgtEl>
+                </p:cond>
+              </p:prevCondLst>
+              <p:nextCondLst>
+                <p:cond delay="0" evt="onNext">
+                  <p:tgtEl>
+                    <p:sldTgt/>
+                  </p:tgtEl>
+                </p:cond>
+              </p:nextCondLst>
+            </p:seq>
+          </p:childTnLst>
+        </p:cTn>
+      </p:par>
+    </p:tnLst>
+  </p:timing>
+</p:sld>
+</file>
+
+<file path=ppt/slides/slide5.xml><?xml version="1.0" encoding="utf-8"?>
+<p:sld xmlns:a="http://schemas.openxmlformats.org/drawingml/2006/main" xmlns:p="http://schemas.openxmlformats.org/presentationml/2006/main" xmlns:r="http://schemas.openxmlformats.org/officeDocument/2006/relationships" xmlns:p14="http://schemas.microsoft.com/office/powerpoint/2010/main" xmlns:p15="http://schemas.microsoft.com/office/powerpoint/2012/main" xmlns:mc="http://schemas.openxmlformats.org/markup-compatibility/2006">
+  <p:cSld>
+    <p:spTree>
+      <p:nvGrpSpPr>
+        <p:cNvPr id="1" name=""/>
+        <p:cNvGrpSpPr/>
+        <p:nvPr/>
+      </p:nvGrpSpPr>
+      <p:grpSpPr>
+        <a:xfrm>
+          <a:off x="0" y="0"/>
+          <a:ext cx="0" cy="0"/>
+          <a:chOff x="0" y="0"/>
+          <a:chExt cx="0" cy="0"/>
+        </a:xfrm>
+      </p:grpSpPr>
+      <p:sp>
+        <p:nvSpPr>
+          <p:cNvPr id="111" name="CustomShape 1"/>
+          <p:cNvSpPr/>
+          <p:nvPr/>
+        </p:nvSpPr>
+        <p:spPr>
+          <a:xfrm>
+            <a:off x="1188720" y="914400"/>
+            <a:ext cx="1920240" cy="548640"/>
+          </a:xfrm>
+          <a:prstGeom prst="flowChartProcess">
+            <a:avLst/>
+          </a:prstGeom>
+          <a:noFill/>
+          <a:ln>
+            <a:solidFill>
+              <a:srgbClr val="000000"/>
+            </a:solidFill>
+          </a:ln>
+        </p:spPr>
+        <p:style>
+          <a:lnRef idx="0"/>
+          <a:fillRef idx="0"/>
+          <a:effectRef idx="0"/>
+          <a:fontRef idx="minor"/>
+        </p:style>
+      </p:sp>
+      <p:sp>
+        <p:nvSpPr>
+          <p:cNvPr id="112" name="TextShape 2"/>
+          <p:cNvSpPr txBox="1"/>
+          <p:nvPr/>
+        </p:nvSpPr>
+        <p:spPr>
+          <a:xfrm>
+            <a:off x="1463040" y="1097280"/>
+            <a:ext cx="1554480" cy="261000"/>
+          </a:xfrm>
+          <a:prstGeom prst="rect">
+            <a:avLst/>
+          </a:prstGeom>
+          <a:noFill/>
+          <a:ln>
+            <a:noFill/>
+          </a:ln>
+        </p:spPr>
+        <p:txBody>
+          <a:bodyPr lIns="90000" rIns="90000" tIns="45000" bIns="45000"/>
+          <a:p>
+            <a:r>
+              <a:rPr b="0" lang="en-US" sz="1200" spc="-1" strike="noStrike">
+                <a:latin typeface="Arial"/>
+              </a:rPr>
+              <a:t>Source Code</a:t>
+            </a:r>
+            <a:endParaRPr b="0" lang="en-US" sz="1200" spc="-1" strike="noStrike">
+              <a:latin typeface="Arial"/>
+            </a:endParaRPr>
+          </a:p>
+        </p:txBody>
+      </p:sp>
+      <p:sp>
+        <p:nvSpPr>
+          <p:cNvPr id="113" name="CustomShape 3"/>
+          <p:cNvSpPr/>
+          <p:nvPr/>
+        </p:nvSpPr>
+        <p:spPr>
+          <a:xfrm>
+            <a:off x="1188720" y="2194560"/>
+            <a:ext cx="1920240" cy="548640"/>
+          </a:xfrm>
+          <a:prstGeom prst="flowChartProcess">
+            <a:avLst/>
+          </a:prstGeom>
+          <a:noFill/>
+          <a:ln>
+            <a:solidFill>
+              <a:srgbClr val="000000"/>
+            </a:solidFill>
+          </a:ln>
+        </p:spPr>
+        <p:style>
+          <a:lnRef idx="0"/>
+          <a:fillRef idx="0"/>
+          <a:effectRef idx="0"/>
+          <a:fontRef idx="minor"/>
+        </p:style>
+      </p:sp>
+      <p:sp>
+        <p:nvSpPr>
+          <p:cNvPr id="114" name="TextShape 4"/>
+          <p:cNvSpPr txBox="1"/>
+          <p:nvPr/>
+        </p:nvSpPr>
+        <p:spPr>
+          <a:xfrm>
+            <a:off x="1188720" y="2403000"/>
+            <a:ext cx="1920240" cy="431640"/>
+          </a:xfrm>
+          <a:prstGeom prst="rect">
+            <a:avLst/>
+          </a:prstGeom>
+          <a:noFill/>
+          <a:ln>
+            <a:noFill/>
+          </a:ln>
+        </p:spPr>
+        <p:txBody>
+          <a:bodyPr lIns="90000" rIns="90000" tIns="45000" bIns="45000"/>
+          <a:p>
+            <a:pPr algn="ctr"/>
+            <a:r>
+              <a:rPr b="0" lang="en-US" sz="1200" spc="-1" strike="noStrike">
+                <a:latin typeface="Arial"/>
+              </a:rPr>
+              <a:t>Directed Program Graph</a:t>
+            </a:r>
+            <a:endParaRPr b="0" lang="en-US" sz="1200" spc="-1" strike="noStrike">
+              <a:latin typeface="Arial"/>
+            </a:endParaRPr>
+          </a:p>
+        </p:txBody>
+      </p:sp>
+      <p:cxnSp>
+        <p:nvCxnSpPr>
+          <p:cNvPr id="115" name="Line 5"/>
+          <p:cNvCxnSpPr>
+            <a:stCxn id="111" idx="2"/>
+            <a:endCxn id="113" idx="0"/>
+          </p:cNvCxnSpPr>
+          <p:nvPr/>
+        </p:nvCxnSpPr>
+        <p:spPr>
+          <a:xfrm>
+            <a:off x="2148840" y="1463040"/>
+            <a:ext cx="360" cy="731880"/>
+          </a:xfrm>
+          <a:prstGeom prst="straightConnector1">
+            <a:avLst/>
+          </a:prstGeom>
+          <a:ln>
+            <a:solidFill>
+              <a:srgbClr val="000000"/>
+            </a:solidFill>
+            <a:tailEnd len="med" type="triangle" w="med"/>
+          </a:ln>
+        </p:spPr>
+      </p:cxnSp>
+      <p:sp>
+        <p:nvSpPr>
+          <p:cNvPr id="116" name="CustomShape 6"/>
+          <p:cNvSpPr/>
+          <p:nvPr/>
+        </p:nvSpPr>
+        <p:spPr>
+          <a:xfrm>
+            <a:off x="3566160" y="2194560"/>
+            <a:ext cx="1828800" cy="548640"/>
+          </a:xfrm>
+          <a:prstGeom prst="flowChartProcess">
+            <a:avLst/>
+          </a:prstGeom>
+          <a:noFill/>
+          <a:ln>
+            <a:solidFill>
+              <a:srgbClr val="000000"/>
+            </a:solidFill>
+          </a:ln>
+        </p:spPr>
+        <p:style>
+          <a:lnRef idx="0"/>
+          <a:fillRef idx="0"/>
+          <a:effectRef idx="0"/>
+          <a:fontRef idx="minor"/>
+        </p:style>
+      </p:sp>
+      <p:sp>
+        <p:nvSpPr>
+          <p:cNvPr id="117" name="TextShape 7"/>
+          <p:cNvSpPr txBox="1"/>
+          <p:nvPr/>
+        </p:nvSpPr>
+        <p:spPr>
+          <a:xfrm>
+            <a:off x="3474720" y="2403000"/>
+            <a:ext cx="1920240" cy="431640"/>
+          </a:xfrm>
+          <a:prstGeom prst="rect">
+            <a:avLst/>
+          </a:prstGeom>
+          <a:noFill/>
+          <a:ln>
+            <a:noFill/>
+          </a:ln>
+        </p:spPr>
+        <p:txBody>
+          <a:bodyPr lIns="90000" rIns="90000" tIns="45000" bIns="45000"/>
+          <a:p>
+            <a:pPr algn="ctr"/>
+            <a:r>
+              <a:rPr b="0" lang="en-US" sz="1200" spc="-1" strike="noStrike">
+                <a:latin typeface="Arial"/>
+              </a:rPr>
+              <a:t>reorg_varmiuse_data.sh</a:t>
+            </a:r>
+            <a:endParaRPr b="0" lang="en-US" sz="1200" spc="-1" strike="noStrike">
+              <a:latin typeface="Arial"/>
+            </a:endParaRPr>
+          </a:p>
+        </p:txBody>
+      </p:sp>
+      <p:cxnSp>
+        <p:nvCxnSpPr>
+          <p:cNvPr id="118" name="Line 8"/>
+          <p:cNvCxnSpPr>
+            <a:stCxn id="113" idx="3"/>
+            <a:endCxn id="116" idx="1"/>
+          </p:cNvCxnSpPr>
+          <p:nvPr/>
+        </p:nvCxnSpPr>
+        <p:spPr>
+          <a:xfrm>
+            <a:off x="3108960" y="2468880"/>
+            <a:ext cx="457560" cy="360"/>
+          </a:xfrm>
+          <a:prstGeom prst="straightConnector1">
+            <a:avLst/>
+          </a:prstGeom>
+          <a:ln>
+            <a:solidFill>
+              <a:srgbClr val="000000"/>
+            </a:solidFill>
+            <a:tailEnd len="med" type="triangle" w="med"/>
+          </a:ln>
+        </p:spPr>
+      </p:cxnSp>
+      <p:sp>
+        <p:nvSpPr>
+          <p:cNvPr id="119" name="CustomShape 9"/>
+          <p:cNvSpPr/>
+          <p:nvPr/>
+        </p:nvSpPr>
+        <p:spPr>
+          <a:xfrm>
+            <a:off x="5943600" y="2194560"/>
+            <a:ext cx="1920240" cy="548640"/>
+          </a:xfrm>
+          <a:prstGeom prst="flowChartProcess">
+            <a:avLst/>
+          </a:prstGeom>
+          <a:noFill/>
+          <a:ln>
+            <a:solidFill>
+              <a:srgbClr val="000000"/>
+            </a:solidFill>
+          </a:ln>
+        </p:spPr>
+        <p:style>
+          <a:lnRef idx="0"/>
+          <a:fillRef idx="0"/>
+          <a:effectRef idx="0"/>
+          <a:fontRef idx="minor"/>
+        </p:style>
+      </p:sp>
+      <p:sp>
+        <p:nvSpPr>
+          <p:cNvPr id="120" name="TextShape 10"/>
+          <p:cNvSpPr txBox="1"/>
+          <p:nvPr/>
+        </p:nvSpPr>
+        <p:spPr>
+          <a:xfrm>
+            <a:off x="6035040" y="2377440"/>
+            <a:ext cx="1645920" cy="365760"/>
+          </a:xfrm>
+          <a:prstGeom prst="rect">
+            <a:avLst/>
+          </a:prstGeom>
+          <a:noFill/>
+          <a:ln>
+            <a:noFill/>
+          </a:ln>
+        </p:spPr>
+        <p:txBody>
+          <a:bodyPr lIns="90000" rIns="90000" tIns="45000" bIns="45000"/>
+          <a:p>
+            <a:pPr algn="ctr"/>
+            <a:r>
+              <a:rPr b="0" lang="en-US" sz="1200" spc="-1" strike="noStrike">
+                <a:latin typeface="Arial"/>
+              </a:rPr>
+              <a:t>train.py</a:t>
+            </a:r>
+            <a:endParaRPr b="0" lang="en-US" sz="1200" spc="-1" strike="noStrike">
+              <a:latin typeface="Arial"/>
+            </a:endParaRPr>
+          </a:p>
+        </p:txBody>
+      </p:sp>
+      <p:cxnSp>
+        <p:nvCxnSpPr>
+          <p:cNvPr id="121" name="Line 11"/>
+          <p:cNvCxnSpPr>
+            <a:stCxn id="116" idx="3"/>
+            <a:endCxn id="119" idx="1"/>
+          </p:cNvCxnSpPr>
+          <p:nvPr/>
+        </p:nvCxnSpPr>
+        <p:spPr>
+          <a:xfrm>
+            <a:off x="5394960" y="2468880"/>
+            <a:ext cx="549000" cy="360"/>
+          </a:xfrm>
+          <a:prstGeom prst="straightConnector1">
+            <a:avLst/>
+          </a:prstGeom>
+          <a:ln>
+            <a:solidFill>
+              <a:srgbClr val="000000"/>
+            </a:solidFill>
+            <a:tailEnd len="med" type="triangle" w="med"/>
+          </a:ln>
+        </p:spPr>
+      </p:cxnSp>
+      <p:sp>
+        <p:nvSpPr>
+          <p:cNvPr id="122" name="TextShape 12"/>
+          <p:cNvSpPr txBox="1"/>
+          <p:nvPr/>
+        </p:nvSpPr>
+        <p:spPr>
+          <a:xfrm>
+            <a:off x="5394960" y="2286000"/>
+            <a:ext cx="640080" cy="182880"/>
+          </a:xfrm>
+          <a:prstGeom prst="rect">
+            <a:avLst/>
+          </a:prstGeom>
+          <a:noFill/>
+          <a:ln>
+            <a:noFill/>
+          </a:ln>
+        </p:spPr>
+        <p:txBody>
+          <a:bodyPr lIns="90000" rIns="90000" tIns="45000" bIns="45000"/>
+          <a:p>
+            <a:r>
+              <a:rPr b="0" lang="en-US" sz="600" spc="-1" strike="noStrike">
+                <a:latin typeface="Arial"/>
+              </a:rPr>
+              <a:t>Chunks</a:t>
+            </a:r>
+            <a:endParaRPr b="0" lang="en-US" sz="600" spc="-1" strike="noStrike">
+              <a:latin typeface="Arial"/>
+            </a:endParaRPr>
+          </a:p>
+        </p:txBody>
+      </p:sp>
+      <p:sp>
+        <p:nvSpPr>
+          <p:cNvPr id="123" name="TextShape 13"/>
+          <p:cNvSpPr txBox="1"/>
+          <p:nvPr/>
+        </p:nvSpPr>
+        <p:spPr>
+          <a:xfrm>
+            <a:off x="6035040" y="2377440"/>
+            <a:ext cx="1645920" cy="365760"/>
+          </a:xfrm>
+          <a:prstGeom prst="rect">
+            <a:avLst/>
+          </a:prstGeom>
+          <a:noFill/>
+          <a:ln>
+            <a:noFill/>
+          </a:ln>
+        </p:spPr>
+        <p:txBody>
+          <a:bodyPr lIns="90000" rIns="90000" tIns="45000" bIns="45000"/>
+          <a:p>
+            <a:pPr algn="ctr"/>
+            <a:r>
+              <a:rPr b="0" lang="en-US" sz="1200" spc="-1" strike="noStrike">
+                <a:latin typeface="Arial"/>
+              </a:rPr>
+              <a:t>train.py</a:t>
+            </a:r>
+            <a:endParaRPr b="0" lang="en-US" sz="1200" spc="-1" strike="noStrike">
+              <a:latin typeface="Arial"/>
+            </a:endParaRPr>
+          </a:p>
+        </p:txBody>
+      </p:sp>
+      <p:sp>
+        <p:nvSpPr>
+          <p:cNvPr id="124" name="CustomShape 14"/>
+          <p:cNvSpPr/>
+          <p:nvPr/>
+        </p:nvSpPr>
+        <p:spPr>
+          <a:xfrm>
+            <a:off x="5943960" y="2194560"/>
+            <a:ext cx="1920240" cy="548640"/>
+          </a:xfrm>
+          <a:prstGeom prst="flowChartProcess">
+            <a:avLst/>
+          </a:prstGeom>
+          <a:noFill/>
+          <a:ln>
+            <a:solidFill>
+              <a:srgbClr val="000000"/>
+            </a:solidFill>
+          </a:ln>
+        </p:spPr>
+        <p:style>
+          <a:lnRef idx="0"/>
+          <a:fillRef idx="0"/>
+          <a:effectRef idx="0"/>
+          <a:fontRef idx="minor"/>
+        </p:style>
+      </p:sp>
+      <p:sp>
+        <p:nvSpPr>
+          <p:cNvPr id="125" name="CustomShape 15"/>
+          <p:cNvSpPr/>
+          <p:nvPr/>
+        </p:nvSpPr>
+        <p:spPr>
+          <a:xfrm>
+            <a:off x="5943600" y="3108960"/>
+            <a:ext cx="1920240" cy="548640"/>
+          </a:xfrm>
+          <a:prstGeom prst="flowChartProcess">
+            <a:avLst/>
+          </a:prstGeom>
+          <a:noFill/>
+          <a:ln>
+            <a:solidFill>
+              <a:srgbClr val="000000"/>
+            </a:solidFill>
+          </a:ln>
+        </p:spPr>
+        <p:style>
+          <a:lnRef idx="0"/>
+          <a:fillRef idx="0"/>
+          <a:effectRef idx="0"/>
+          <a:fontRef idx="minor"/>
+        </p:style>
+      </p:sp>
+      <p:sp>
+        <p:nvSpPr>
+          <p:cNvPr id="126" name="TextShape 16"/>
+          <p:cNvSpPr txBox="1"/>
+          <p:nvPr/>
+        </p:nvSpPr>
+        <p:spPr>
+          <a:xfrm>
+            <a:off x="6035040" y="3291840"/>
+            <a:ext cx="1645920" cy="365760"/>
+          </a:xfrm>
+          <a:prstGeom prst="rect">
+            <a:avLst/>
+          </a:prstGeom>
+          <a:noFill/>
+          <a:ln>
+            <a:noFill/>
+          </a:ln>
+        </p:spPr>
+        <p:txBody>
+          <a:bodyPr lIns="90000" rIns="90000" tIns="45000" bIns="45000"/>
+          <a:p>
+            <a:pPr algn="ctr"/>
+            <a:r>
+              <a:rPr b="0" lang="en-US" sz="1200" spc="-1" strike="noStrike">
+                <a:latin typeface="Arial"/>
+              </a:rPr>
+              <a:t>test.py</a:t>
+            </a:r>
+            <a:endParaRPr b="0" lang="en-US" sz="1200" spc="-1" strike="noStrike">
+              <a:latin typeface="Arial"/>
+            </a:endParaRPr>
+          </a:p>
+        </p:txBody>
+      </p:sp>
+      <p:cxnSp>
+        <p:nvCxnSpPr>
+          <p:cNvPr id="127" name="Line 17"/>
+          <p:cNvCxnSpPr>
+            <a:stCxn id="124" idx="2"/>
+            <a:endCxn id="125" idx="0"/>
+          </p:cNvCxnSpPr>
+          <p:nvPr/>
+        </p:nvCxnSpPr>
+        <p:spPr>
+          <a:xfrm flipH="1">
+            <a:off x="6903720" y="2743200"/>
+            <a:ext cx="720" cy="366120"/>
+          </a:xfrm>
+          <a:prstGeom prst="straightConnector1">
+            <a:avLst/>
+          </a:prstGeom>
+          <a:ln>
+            <a:solidFill>
+              <a:srgbClr val="000000"/>
+            </a:solidFill>
+            <a:tailEnd len="med" type="triangle" w="med"/>
+          </a:ln>
+        </p:spPr>
+      </p:cxnSp>
+      <p:sp>
+        <p:nvSpPr>
+          <p:cNvPr id="128" name="TextShape 18"/>
+          <p:cNvSpPr txBox="1"/>
+          <p:nvPr/>
+        </p:nvSpPr>
+        <p:spPr>
+          <a:xfrm>
+            <a:off x="7132320" y="2834640"/>
+            <a:ext cx="1005840" cy="261000"/>
+          </a:xfrm>
+          <a:prstGeom prst="rect">
+            <a:avLst/>
+          </a:prstGeom>
+          <a:noFill/>
+          <a:ln>
+            <a:noFill/>
+          </a:ln>
+        </p:spPr>
+        <p:txBody>
+          <a:bodyPr lIns="90000" rIns="90000" tIns="45000" bIns="45000"/>
+          <a:p>
+            <a:r>
+              <a:rPr b="0" lang="en-US" sz="1200" spc="-1" strike="noStrike">
+                <a:latin typeface="Arial"/>
+              </a:rPr>
+              <a:t>Weights</a:t>
+            </a:r>
+            <a:endParaRPr b="0" lang="en-US" sz="1200" spc="-1" strike="noStrike">
+              <a:latin typeface="Arial"/>
+            </a:endParaRPr>
+          </a:p>
+        </p:txBody>
+      </p:sp>
+      <p:cxnSp>
+        <p:nvCxnSpPr>
+          <p:cNvPr id="129" name="Line 19"/>
+          <p:cNvCxnSpPr>
+            <a:stCxn id="125" idx="3"/>
+          </p:cNvCxnSpPr>
+          <p:nvPr/>
+        </p:nvCxnSpPr>
+        <p:spPr>
+          <a:xfrm flipV="1">
+            <a:off x="7863840" y="3381840"/>
+            <a:ext cx="631080" cy="1800"/>
+          </a:xfrm>
+          <a:prstGeom prst="straightConnector1">
+            <a:avLst/>
+          </a:prstGeom>
+          <a:ln>
+            <a:solidFill>
+              <a:srgbClr val="000000"/>
+            </a:solidFill>
+            <a:tailEnd len="med" type="triangle" w="med"/>
+          </a:ln>
+        </p:spPr>
+      </p:cxnSp>
+      <p:sp>
+        <p:nvSpPr>
+          <p:cNvPr id="130" name="TextShape 20"/>
+          <p:cNvSpPr txBox="1"/>
+          <p:nvPr/>
+        </p:nvSpPr>
+        <p:spPr>
+          <a:xfrm>
+            <a:off x="8503920" y="3200400"/>
+            <a:ext cx="1097280" cy="431640"/>
+          </a:xfrm>
+          <a:prstGeom prst="rect">
+            <a:avLst/>
+          </a:prstGeom>
+          <a:noFill/>
+          <a:ln>
+            <a:noFill/>
+          </a:ln>
+        </p:spPr>
+        <p:txBody>
+          <a:bodyPr lIns="90000" rIns="90000" tIns="45000" bIns="45000"/>
+          <a:p>
+            <a:r>
+              <a:rPr b="0" lang="en-US" sz="1200" spc="-1" strike="noStrike">
+                <a:latin typeface="Arial"/>
+              </a:rPr>
+              <a:t>Test Accuracy</a:t>
+            </a:r>
+            <a:endParaRPr b="0" lang="en-US" sz="1200" spc="-1" strike="noStrike">
+              <a:latin typeface="Arial"/>
+            </a:endParaRPr>
+          </a:p>
+        </p:txBody>
+      </p:sp>
+      <p:sp>
+        <p:nvSpPr>
+          <p:cNvPr id="131" name="CustomShape 21"/>
+          <p:cNvSpPr/>
+          <p:nvPr/>
+        </p:nvSpPr>
+        <p:spPr>
+          <a:xfrm>
+            <a:off x="731520" y="640080"/>
+            <a:ext cx="3108960" cy="1097280"/>
+          </a:xfrm>
+          <a:prstGeom prst="flowChartProcess">
+            <a:avLst/>
+          </a:prstGeom>
+          <a:noFill/>
+          <a:ln>
+            <a:solidFill>
+              <a:srgbClr val="ff0000"/>
+            </a:solidFill>
+            <a:custDash/>
+          </a:ln>
+        </p:spPr>
+        <p:style>
+          <a:lnRef idx="0"/>
+          <a:fillRef idx="0"/>
+          <a:effectRef idx="0"/>
+          <a:fontRef idx="minor"/>
+        </p:style>
+      </p:sp>
+      <p:cxnSp>
+        <p:nvCxnSpPr>
+          <p:cNvPr id="132" name="Line 22"/>
+          <p:cNvCxnSpPr/>
+          <p:nvPr/>
+        </p:nvCxnSpPr>
+        <p:spPr>
+          <a:xfrm flipH="1">
+            <a:off x="3906720" y="468720"/>
+            <a:ext cx="603000" cy="402120"/>
+          </a:xfrm>
+          <a:prstGeom prst="straightConnector1">
+            <a:avLst/>
+          </a:prstGeom>
+          <a:ln>
+            <a:solidFill>
+              <a:srgbClr val="000000"/>
+            </a:solidFill>
+            <a:tailEnd len="med" type="triangle" w="med"/>
+          </a:ln>
+        </p:spPr>
+      </p:cxnSp>
+      <p:sp>
+        <p:nvSpPr>
+          <p:cNvPr id="133" name="TextShape 23"/>
+          <p:cNvSpPr txBox="1"/>
+          <p:nvPr/>
+        </p:nvSpPr>
+        <p:spPr>
+          <a:xfrm>
+            <a:off x="4480560" y="274320"/>
+            <a:ext cx="1188720" cy="261000"/>
+          </a:xfrm>
+          <a:prstGeom prst="rect">
+            <a:avLst/>
+          </a:prstGeom>
+          <a:noFill/>
+          <a:ln>
+            <a:noFill/>
+          </a:ln>
+        </p:spPr>
+        <p:txBody>
+          <a:bodyPr lIns="90000" rIns="90000" tIns="45000" bIns="45000"/>
+          <a:p>
+            <a:r>
+              <a:rPr b="0" lang="en-US" sz="1200" spc="-1" strike="noStrike">
+                <a:latin typeface="Arial"/>
+              </a:rPr>
+              <a:t>Github</a:t>
+            </a:r>
+            <a:endParaRPr b="0" lang="en-US" sz="1200" spc="-1" strike="noStrike">
+              <a:latin typeface="Arial"/>
+            </a:endParaRPr>
+          </a:p>
+        </p:txBody>
+      </p:sp>
+      <p:sp>
+        <p:nvSpPr>
+          <p:cNvPr id="134" name="CustomShape 24"/>
+          <p:cNvSpPr/>
+          <p:nvPr/>
+        </p:nvSpPr>
+        <p:spPr>
+          <a:xfrm>
+            <a:off x="1097280" y="2103120"/>
+            <a:ext cx="2103120" cy="822960"/>
+          </a:xfrm>
+          <a:prstGeom prst="flowChartProcess">
+            <a:avLst/>
+          </a:prstGeom>
+          <a:noFill/>
+          <a:ln>
+            <a:solidFill>
+              <a:srgbClr val="3465a4"/>
+            </a:solidFill>
+            <a:custDash/>
+          </a:ln>
+        </p:spPr>
+        <p:style>
+          <a:lnRef idx="0"/>
+          <a:fillRef idx="0"/>
+          <a:effectRef idx="0"/>
+          <a:fontRef idx="minor"/>
+        </p:style>
+      </p:sp>
+      <p:cxnSp>
+        <p:nvCxnSpPr>
+          <p:cNvPr id="135" name="Line 25"/>
+          <p:cNvCxnSpPr/>
+          <p:nvPr/>
+        </p:nvCxnSpPr>
+        <p:spPr>
+          <a:xfrm flipV="1">
+            <a:off x="2064960" y="2991240"/>
+            <a:ext cx="279360" cy="525240"/>
+          </a:xfrm>
+          <a:prstGeom prst="straightConnector1">
+            <a:avLst/>
+          </a:prstGeom>
+          <a:ln>
+            <a:solidFill>
+              <a:srgbClr val="000000"/>
+            </a:solidFill>
+            <a:tailEnd len="med" type="triangle" w="med"/>
+          </a:ln>
+        </p:spPr>
+      </p:cxnSp>
+      <p:sp>
+        <p:nvSpPr>
+          <p:cNvPr id="136" name="TextShape 26"/>
+          <p:cNvSpPr txBox="1"/>
+          <p:nvPr/>
+        </p:nvSpPr>
+        <p:spPr>
+          <a:xfrm>
+            <a:off x="1188720" y="3500280"/>
+            <a:ext cx="1920240" cy="431640"/>
+          </a:xfrm>
+          <a:prstGeom prst="rect">
+            <a:avLst/>
+          </a:prstGeom>
+          <a:noFill/>
+          <a:ln>
+            <a:noFill/>
+          </a:ln>
+        </p:spPr>
+        <p:txBody>
+          <a:bodyPr lIns="90000" rIns="90000" tIns="45000" bIns="45000"/>
+          <a:p>
+            <a:pPr algn="ctr"/>
+            <a:r>
+              <a:rPr b="0" lang="en-US" sz="1200" spc="-1" strike="noStrike">
+                <a:latin typeface="Arial"/>
+              </a:rPr>
+              <a:t>DPU Utils</a:t>
+            </a:r>
+            <a:endParaRPr b="0" lang="en-US" sz="1200" spc="-1" strike="noStrike">
+              <a:latin typeface="Arial"/>
+            </a:endParaRPr>
+          </a:p>
+        </p:txBody>
+      </p:sp>
+      <p:sp>
+        <p:nvSpPr>
+          <p:cNvPr id="137" name="CustomShape 27"/>
+          <p:cNvSpPr/>
+          <p:nvPr/>
+        </p:nvSpPr>
+        <p:spPr>
+          <a:xfrm>
+            <a:off x="3474720" y="2103120"/>
+            <a:ext cx="4663440" cy="1737360"/>
+          </a:xfrm>
+          <a:prstGeom prst="flowChartProcess">
+            <a:avLst/>
+          </a:prstGeom>
+          <a:noFill/>
+          <a:ln>
+            <a:solidFill>
+              <a:srgbClr val="81d41a"/>
+            </a:solidFill>
+            <a:custDash/>
+          </a:ln>
+        </p:spPr>
+        <p:style>
+          <a:lnRef idx="0"/>
+          <a:fillRef idx="0"/>
+          <a:effectRef idx="0"/>
+          <a:fontRef idx="minor"/>
+        </p:style>
+      </p:sp>
+    </p:spTree>
+  </p:cSld>
+  <mc:AlternateContent>
+    <mc:Choice Requires="p14">
+      <p:transition spd="slow" p14:dur="2000"/>
+    </mc:Choice>
+    <mc:Fallback>
+      <p:transition spd="slow"/>
+    </mc:Fallback>
+  </mc:AlternateContent>
+  <p:timing>
+    <p:tnLst>
+      <p:par>
+        <p:cTn id="9" dur="indefinite" restart="never" nodeType="tmRoot">
+          <p:childTnLst>
+            <p:seq>
+              <p:cTn id="10" dur="indefinite" nodeType="mainSeq"/>
               <p:prevCondLst>
                 <p:cond delay="0" evt="onPrev">
                   <p:tgtEl>

--- a/assets/FiguresForFinalReport.pptx
+++ b/assets/FiguresForFinalReport.pptx
@@ -5137,6 +5137,63 @@
           <a:effectRef idx="0"/>
           <a:fontRef idx="minor"/>
         </p:style>
+      </p:sp>
+      <p:cxnSp>
+        <p:nvCxnSpPr>
+          <p:cNvPr id="138" name="Line 28"/>
+          <p:cNvCxnSpPr/>
+          <p:nvPr/>
+        </p:nvCxnSpPr>
+        <p:spPr>
+          <a:xfrm flipV="1">
+            <a:off x="5268600" y="3996000"/>
+            <a:ext cx="379800" cy="647640"/>
+          </a:xfrm>
+          <a:prstGeom prst="straightConnector1">
+            <a:avLst/>
+          </a:prstGeom>
+          <a:ln>
+            <a:solidFill>
+              <a:srgbClr val="000000"/>
+            </a:solidFill>
+            <a:tailEnd len="med" type="triangle" w="med"/>
+          </a:ln>
+        </p:spPr>
+      </p:cxnSp>
+      <p:sp>
+        <p:nvSpPr>
+          <p:cNvPr id="139" name="TextShape 29"/>
+          <p:cNvSpPr txBox="1"/>
+          <p:nvPr/>
+        </p:nvSpPr>
+        <p:spPr>
+          <a:xfrm>
+            <a:off x="4297680" y="4597560"/>
+            <a:ext cx="1920240" cy="431640"/>
+          </a:xfrm>
+          <a:prstGeom prst="rect">
+            <a:avLst/>
+          </a:prstGeom>
+          <a:noFill/>
+          <a:ln>
+            <a:noFill/>
+          </a:ln>
+        </p:spPr>
+        <p:txBody>
+          <a:bodyPr lIns="90000" rIns="90000" tIns="45000" bIns="45000"/>
+          <a:p>
+            <a:pPr algn="ctr"/>
+            <a:r>
+              <a:rPr b="0" lang="en-US" sz="1200" spc="-1" strike="noStrike">
+                <a:latin typeface="Arial"/>
+              </a:rPr>
+              <a:t>tf-gnn-samples</a:t>
+            </a:r>
+            <a:endParaRPr b="0" lang="en-US" sz="1200" spc="-1" strike="noStrike">
+              <a:latin typeface="Arial"/>
+            </a:endParaRPr>
+          </a:p>
+        </p:txBody>
       </p:sp>
     </p:spTree>
   </p:cSld>

--- a/assets/FiguresForFinalReport.pptx
+++ b/assets/FiguresForFinalReport.pptx
@@ -2452,7 +2452,7 @@
         </p:nvSpPr>
         <p:spPr>
           <a:xfrm>
-            <a:off x="3931920" y="751320"/>
+            <a:off x="3200400" y="751680"/>
             <a:ext cx="1279800" cy="345960"/>
           </a:xfrm>
           <a:prstGeom prst="rect">
